--- a/java/docs/13.java-线程.pptx
+++ b/java/docs/13.java-线程.pptx
@@ -6,7 +6,7 @@
     <p:sldMasterId id="2147483660" r:id="rId2"/>
   </p:sldMasterIdLst>
   <p:notesMasterIdLst>
-    <p:notesMasterId r:id="rId18"/>
+    <p:notesMasterId r:id="rId28"/>
   </p:notesMasterIdLst>
   <p:sldIdLst>
     <p:sldId id="256" r:id="rId3"/>
@@ -15,15 +15,25 @@
     <p:sldId id="264" r:id="rId6"/>
     <p:sldId id="265" r:id="rId7"/>
     <p:sldId id="268" r:id="rId8"/>
-    <p:sldId id="271" r:id="rId9"/>
-    <p:sldId id="272" r:id="rId10"/>
-    <p:sldId id="273" r:id="rId11"/>
-    <p:sldId id="276" r:id="rId12"/>
-    <p:sldId id="277" r:id="rId13"/>
-    <p:sldId id="274" r:id="rId14"/>
-    <p:sldId id="275" r:id="rId15"/>
-    <p:sldId id="278" r:id="rId16"/>
-    <p:sldId id="261" r:id="rId17"/>
+    <p:sldId id="279" r:id="rId9"/>
+    <p:sldId id="280" r:id="rId10"/>
+    <p:sldId id="274" r:id="rId11"/>
+    <p:sldId id="275" r:id="rId12"/>
+    <p:sldId id="281" r:id="rId13"/>
+    <p:sldId id="278" r:id="rId14"/>
+    <p:sldId id="282" r:id="rId15"/>
+    <p:sldId id="283" r:id="rId16"/>
+    <p:sldId id="284" r:id="rId17"/>
+    <p:sldId id="285" r:id="rId18"/>
+    <p:sldId id="286" r:id="rId19"/>
+    <p:sldId id="287" r:id="rId20"/>
+    <p:sldId id="288" r:id="rId21"/>
+    <p:sldId id="289" r:id="rId22"/>
+    <p:sldId id="290" r:id="rId23"/>
+    <p:sldId id="291" r:id="rId24"/>
+    <p:sldId id="292" r:id="rId25"/>
+    <p:sldId id="293" r:id="rId26"/>
+    <p:sldId id="261" r:id="rId27"/>
   </p:sldIdLst>
   <p:sldSz cx="9144000" cy="6858000" type="screen4x3"/>
   <p:notesSz cx="6858000" cy="9144000"/>
@@ -562,7 +572,7 @@
             <a:fld id="{96901A81-0F01-4EEE-B1B8-8AAFCC661EC4}" type="slidenum">
               <a:rPr lang="zh-CN" altLang="en-US" smtClean="0"/>
               <a:pPr/>
-              <a:t>15</a:t>
+              <a:t>25</a:t>
             </a:fld>
             <a:endParaRPr lang="zh-CN" altLang="en-US"/>
           </a:p>
@@ -39802,10 +39812,8 @@
           <a:lstStyle/>
           <a:p>
             <a:r>
-              <a:rPr lang="en-US" altLang="zh-CN" b="1" dirty="0" smtClean="0">
-                <a:effectLst/>
-              </a:rPr>
-              <a:t>volatile</a:t>
+              <a:rPr lang="zh-CN" altLang="en-US" dirty="0"/>
+              <a:t>线程同步</a:t>
             </a:r>
             <a:endParaRPr lang="zh-CN" altLang="en-US" dirty="0"/>
           </a:p>
@@ -39821,22 +39829,25 @@
             <p:ph idx="1"/>
           </p:nvPr>
         </p:nvSpPr>
-        <p:spPr/>
+        <p:spPr>
+          <a:xfrm>
+            <a:off x="457200" y="980728"/>
+            <a:ext cx="8229600" cy="5145435"/>
+          </a:xfrm>
+        </p:spPr>
         <p:txBody>
-          <a:bodyPr/>
+          <a:bodyPr>
+            <a:normAutofit fontScale="70000" lnSpcReduction="20000"/>
+          </a:bodyPr>
           <a:lstStyle/>
           <a:p>
             <a:r>
-              <a:rPr lang="zh-CN" altLang="en-US" dirty="0" smtClean="0"/>
-              <a:t>对</a:t>
-            </a:r>
-            <a:r>
               <a:rPr lang="en-US" altLang="zh-CN" dirty="0" smtClean="0"/>
-              <a:t>counter</a:t>
+              <a:t>synchronized</a:t>
             </a:r>
             <a:r>
               <a:rPr lang="zh-CN" altLang="en-US" dirty="0" smtClean="0"/>
-              <a:t>的修改确保被其它线程感知</a:t>
+              <a:t>关键字</a:t>
             </a:r>
             <a:endParaRPr lang="en-US" altLang="zh-CN" dirty="0" smtClean="0"/>
           </a:p>
@@ -39844,23 +39855,28 @@
             <a:pPr marL="0" indent="0">
               <a:buNone/>
             </a:pPr>
+            <a:endParaRPr lang="en-US" altLang="zh-CN" dirty="0" smtClean="0"/>
+          </a:p>
+          <a:p>
+            <a:pPr marL="0" indent="0">
+              <a:buNone/>
+            </a:pPr>
+            <a:r>
+              <a:rPr lang="en-US" altLang="zh-CN" dirty="0" smtClean="0"/>
+              <a:t>public </a:t>
+            </a:r>
             <a:r>
               <a:rPr lang="en-US" altLang="zh-CN" dirty="0"/>
-              <a:t>public class </a:t>
+              <a:t>synchronized void add(</a:t>
             </a:r>
             <a:r>
               <a:rPr lang="en-US" altLang="zh-CN" dirty="0" err="1"/>
-              <a:t>SharedObject</a:t>
+              <a:t>int</a:t>
             </a:r>
             <a:r>
               <a:rPr lang="en-US" altLang="zh-CN" dirty="0"/>
-              <a:t> </a:t>
+              <a:t> value){</a:t>
             </a:r>
-            <a:r>
-              <a:rPr lang="en-US" altLang="zh-CN" dirty="0" smtClean="0"/>
-              <a:t>{</a:t>
-            </a:r>
-            <a:endParaRPr lang="en-US" altLang="zh-CN" dirty="0"/>
           </a:p>
           <a:p>
             <a:pPr marL="0" indent="0">
@@ -39868,21 +39884,16 @@
             </a:pPr>
             <a:r>
               <a:rPr lang="en-US" altLang="zh-CN" dirty="0"/>
-              <a:t>    public volatile </a:t>
+              <a:t>      </a:t>
             </a:r>
             <a:r>
               <a:rPr lang="en-US" altLang="zh-CN" dirty="0" err="1"/>
-              <a:t>int</a:t>
+              <a:t>this.count</a:t>
             </a:r>
             <a:r>
               <a:rPr lang="en-US" altLang="zh-CN" dirty="0"/>
-              <a:t> counter = 0</a:t>
+              <a:t> += value;</a:t>
             </a:r>
-            <a:r>
-              <a:rPr lang="en-US" altLang="zh-CN" dirty="0" smtClean="0"/>
-              <a:t>;</a:t>
-            </a:r>
-            <a:endParaRPr lang="en-US" altLang="zh-CN" dirty="0"/>
           </a:p>
           <a:p>
             <a:pPr marL="0" indent="0">
@@ -39892,14 +39903,127 @@
               <a:rPr lang="en-US" altLang="zh-CN" dirty="0"/>
               <a:t>}</a:t>
             </a:r>
-            <a:endParaRPr lang="zh-CN" altLang="en-US" dirty="0"/>
+          </a:p>
+          <a:p>
+            <a:pPr marL="0" indent="0">
+              <a:buNone/>
+            </a:pPr>
+            <a:endParaRPr lang="en-US" altLang="zh-CN" dirty="0"/>
+          </a:p>
+          <a:p>
+            <a:pPr marL="0" indent="0">
+              <a:buNone/>
+            </a:pPr>
+            <a:r>
+              <a:rPr lang="en-US" altLang="zh-CN" dirty="0"/>
+              <a:t>public static synchronized void add(</a:t>
+            </a:r>
+            <a:r>
+              <a:rPr lang="en-US" altLang="zh-CN" dirty="0" err="1"/>
+              <a:t>int</a:t>
+            </a:r>
+            <a:r>
+              <a:rPr lang="en-US" altLang="zh-CN" dirty="0"/>
+              <a:t> value){</a:t>
+            </a:r>
+          </a:p>
+          <a:p>
+            <a:pPr marL="0" indent="0">
+              <a:buNone/>
+            </a:pPr>
+            <a:r>
+              <a:rPr lang="en-US" altLang="zh-CN" dirty="0"/>
+              <a:t>      count += value;</a:t>
+            </a:r>
+          </a:p>
+          <a:p>
+            <a:pPr marL="0" indent="0">
+              <a:buNone/>
+            </a:pPr>
+            <a:r>
+              <a:rPr lang="en-US" altLang="zh-CN" dirty="0"/>
+              <a:t>}</a:t>
+            </a:r>
+          </a:p>
+          <a:p>
+            <a:pPr marL="0" indent="0">
+              <a:buNone/>
+            </a:pPr>
+            <a:endParaRPr lang="en-US" altLang="zh-CN" dirty="0"/>
+          </a:p>
+          <a:p>
+            <a:pPr marL="0" indent="0">
+              <a:buNone/>
+            </a:pPr>
+            <a:r>
+              <a:rPr lang="en-US" altLang="zh-CN" dirty="0"/>
+              <a:t>public void add(</a:t>
+            </a:r>
+            <a:r>
+              <a:rPr lang="en-US" altLang="zh-CN" dirty="0" err="1"/>
+              <a:t>int</a:t>
+            </a:r>
+            <a:r>
+              <a:rPr lang="en-US" altLang="zh-CN" dirty="0"/>
+              <a:t> value){</a:t>
+            </a:r>
+          </a:p>
+          <a:p>
+            <a:pPr marL="0" indent="0">
+              <a:buNone/>
+            </a:pPr>
+            <a:r>
+              <a:rPr lang="en-US" altLang="zh-CN" dirty="0"/>
+              <a:t>    synchronized(this){</a:t>
+            </a:r>
+          </a:p>
+          <a:p>
+            <a:pPr marL="0" indent="0">
+              <a:buNone/>
+            </a:pPr>
+            <a:r>
+              <a:rPr lang="en-US" altLang="zh-CN" dirty="0"/>
+              <a:t>       </a:t>
+            </a:r>
+            <a:r>
+              <a:rPr lang="en-US" altLang="zh-CN" dirty="0" err="1"/>
+              <a:t>this.count</a:t>
+            </a:r>
+            <a:r>
+              <a:rPr lang="en-US" altLang="zh-CN" dirty="0"/>
+              <a:t> += value;   </a:t>
+            </a:r>
+          </a:p>
+          <a:p>
+            <a:pPr marL="0" indent="0">
+              <a:buNone/>
+            </a:pPr>
+            <a:r>
+              <a:rPr lang="en-US" altLang="zh-CN" dirty="0"/>
+              <a:t>   }</a:t>
+            </a:r>
+          </a:p>
+          <a:p>
+            <a:pPr marL="0" indent="0">
+              <a:buNone/>
+            </a:pPr>
+            <a:r>
+              <a:rPr lang="en-US" altLang="zh-CN" dirty="0"/>
+              <a:t>}</a:t>
+            </a:r>
+          </a:p>
+          <a:p>
+            <a:pPr marL="0" indent="0">
+              <a:buNone/>
+            </a:pPr>
+            <a:endParaRPr lang="en-US" altLang="zh-CN" dirty="0" smtClean="0"/>
           </a:p>
         </p:txBody>
       </p:sp>
     </p:spTree>
     <p:extLst>
       <p:ext uri="{BB962C8B-B14F-4D97-AF65-F5344CB8AC3E}">
-        <p14:creationId xmlns:p14="http://schemas.microsoft.com/office/powerpoint/2010/main" val="47522384"/>
+        <p14:creationId xmlns:p14="http://schemas.microsoft.com/office/powerpoint/2010/main" val="1948275617"/>
       </p:ext>
     </p:extLst>
   </p:cSld>
@@ -39943,576 +40067,6 @@
             <p:ph type="title"/>
           </p:nvPr>
         </p:nvSpPr>
-        <p:spPr>
-          <a:xfrm>
-            <a:off x="467544" y="260648"/>
-            <a:ext cx="8229600" cy="634082"/>
-          </a:xfrm>
-        </p:spPr>
-        <p:txBody>
-          <a:bodyPr>
-            <a:normAutofit fontScale="90000"/>
-          </a:bodyPr>
-          <a:lstStyle/>
-          <a:p>
-            <a:r>
-              <a:rPr lang="en-US" altLang="zh-CN" b="1" dirty="0">
-                <a:effectLst/>
-              </a:rPr>
-              <a:t>volatile</a:t>
-            </a:r>
-            <a:endParaRPr lang="zh-CN" altLang="en-US" dirty="0"/>
-          </a:p>
-        </p:txBody>
-      </p:sp>
-      <p:sp>
-        <p:nvSpPr>
-          <p:cNvPr id="3" name="内容占位符 2"/>
-          <p:cNvSpPr>
-            <a:spLocks noGrp="1"/>
-          </p:cNvSpPr>
-          <p:nvPr>
-            <p:ph idx="1"/>
-          </p:nvPr>
-        </p:nvSpPr>
-        <p:spPr>
-          <a:xfrm>
-            <a:off x="467544" y="1556792"/>
-            <a:ext cx="8229600" cy="4525963"/>
-          </a:xfrm>
-        </p:spPr>
-        <p:txBody>
-          <a:bodyPr>
-            <a:normAutofit fontScale="40000" lnSpcReduction="20000"/>
-          </a:bodyPr>
-          <a:lstStyle/>
-          <a:p>
-            <a:pPr marL="0" indent="0">
-              <a:buNone/>
-            </a:pPr>
-            <a:r>
-              <a:rPr lang="en-US" altLang="zh-CN" dirty="0"/>
-              <a:t>public class Exchanger {</a:t>
-            </a:r>
-          </a:p>
-          <a:p>
-            <a:pPr marL="0" indent="0">
-              <a:buNone/>
-            </a:pPr>
-            <a:endParaRPr lang="en-US" altLang="zh-CN" dirty="0"/>
-          </a:p>
-          <a:p>
-            <a:pPr marL="0" indent="0">
-              <a:buNone/>
-            </a:pPr>
-            <a:r>
-              <a:rPr lang="en-US" altLang="zh-CN" dirty="0"/>
-              <a:t>    private Object   </a:t>
-            </a:r>
-            <a:r>
-              <a:rPr lang="en-US" altLang="zh-CN" dirty="0" err="1"/>
-              <a:t>object</a:t>
-            </a:r>
-            <a:r>
-              <a:rPr lang="en-US" altLang="zh-CN" dirty="0"/>
-              <a:t>       = null;</a:t>
-            </a:r>
-          </a:p>
-          <a:p>
-            <a:pPr marL="0" indent="0">
-              <a:buNone/>
-            </a:pPr>
-            <a:r>
-              <a:rPr lang="en-US" altLang="zh-CN" dirty="0"/>
-              <a:t>    private volatile </a:t>
-            </a:r>
-            <a:r>
-              <a:rPr lang="en-US" altLang="zh-CN" dirty="0" err="1"/>
-              <a:t>hasNewObject</a:t>
-            </a:r>
-            <a:r>
-              <a:rPr lang="en-US" altLang="zh-CN" dirty="0"/>
-              <a:t> = false;</a:t>
-            </a:r>
-          </a:p>
-          <a:p>
-            <a:pPr marL="0" indent="0">
-              <a:buNone/>
-            </a:pPr>
-            <a:endParaRPr lang="en-US" altLang="zh-CN" dirty="0"/>
-          </a:p>
-          <a:p>
-            <a:pPr marL="0" indent="0">
-              <a:buNone/>
-            </a:pPr>
-            <a:r>
-              <a:rPr lang="en-US" altLang="zh-CN" dirty="0"/>
-              <a:t>    public void put(Object </a:t>
-            </a:r>
-            <a:r>
-              <a:rPr lang="en-US" altLang="zh-CN" dirty="0" err="1"/>
-              <a:t>newObject</a:t>
-            </a:r>
-            <a:r>
-              <a:rPr lang="en-US" altLang="zh-CN" dirty="0"/>
-              <a:t>) {</a:t>
-            </a:r>
-          </a:p>
-          <a:p>
-            <a:pPr marL="0" indent="0">
-              <a:buNone/>
-            </a:pPr>
-            <a:r>
-              <a:rPr lang="en-US" altLang="zh-CN" dirty="0"/>
-              <a:t>        while(</a:t>
-            </a:r>
-            <a:r>
-              <a:rPr lang="en-US" altLang="zh-CN" dirty="0" err="1"/>
-              <a:t>hasNewObject</a:t>
-            </a:r>
-            <a:r>
-              <a:rPr lang="en-US" altLang="zh-CN" dirty="0"/>
-              <a:t>) {</a:t>
-            </a:r>
-          </a:p>
-          <a:p>
-            <a:pPr marL="0" indent="0">
-              <a:buNone/>
-            </a:pPr>
-            <a:r>
-              <a:rPr lang="en-US" altLang="zh-CN" dirty="0"/>
-              <a:t>            //wait - do not overwrite existing new object</a:t>
-            </a:r>
-          </a:p>
-          <a:p>
-            <a:pPr marL="0" indent="0">
-              <a:buNone/>
-            </a:pPr>
-            <a:r>
-              <a:rPr lang="en-US" altLang="zh-CN" dirty="0"/>
-              <a:t>        }</a:t>
-            </a:r>
-          </a:p>
-          <a:p>
-            <a:pPr marL="0" indent="0">
-              <a:buNone/>
-            </a:pPr>
-            <a:r>
-              <a:rPr lang="en-US" altLang="zh-CN" dirty="0"/>
-              <a:t>        object = </a:t>
-            </a:r>
-            <a:r>
-              <a:rPr lang="en-US" altLang="zh-CN" dirty="0" err="1"/>
-              <a:t>newObject</a:t>
-            </a:r>
-            <a:r>
-              <a:rPr lang="en-US" altLang="zh-CN" dirty="0"/>
-              <a:t>;</a:t>
-            </a:r>
-          </a:p>
-          <a:p>
-            <a:pPr marL="0" indent="0">
-              <a:buNone/>
-            </a:pPr>
-            <a:r>
-              <a:rPr lang="en-US" altLang="zh-CN" dirty="0"/>
-              <a:t>        </a:t>
-            </a:r>
-            <a:r>
-              <a:rPr lang="en-US" altLang="zh-CN" dirty="0" err="1"/>
-              <a:t>hasNewObject</a:t>
-            </a:r>
-            <a:r>
-              <a:rPr lang="en-US" altLang="zh-CN" dirty="0"/>
-              <a:t> = true; //volatile write</a:t>
-            </a:r>
-          </a:p>
-          <a:p>
-            <a:pPr marL="0" indent="0">
-              <a:buNone/>
-            </a:pPr>
-            <a:r>
-              <a:rPr lang="en-US" altLang="zh-CN" dirty="0"/>
-              <a:t>    }</a:t>
-            </a:r>
-          </a:p>
-          <a:p>
-            <a:pPr marL="0" indent="0">
-              <a:buNone/>
-            </a:pPr>
-            <a:endParaRPr lang="en-US" altLang="zh-CN" dirty="0"/>
-          </a:p>
-          <a:p>
-            <a:pPr marL="0" indent="0">
-              <a:buNone/>
-            </a:pPr>
-            <a:r>
-              <a:rPr lang="en-US" altLang="zh-CN" dirty="0"/>
-              <a:t>    public Object take(){</a:t>
-            </a:r>
-          </a:p>
-          <a:p>
-            <a:pPr marL="0" indent="0">
-              <a:buNone/>
-            </a:pPr>
-            <a:r>
-              <a:rPr lang="en-US" altLang="zh-CN" dirty="0"/>
-              <a:t>        while(!</a:t>
-            </a:r>
-            <a:r>
-              <a:rPr lang="en-US" altLang="zh-CN" dirty="0" err="1"/>
-              <a:t>hasNewObject</a:t>
-            </a:r>
-            <a:r>
-              <a:rPr lang="en-US" altLang="zh-CN" dirty="0"/>
-              <a:t>){ //volatile read</a:t>
-            </a:r>
-          </a:p>
-          <a:p>
-            <a:pPr marL="0" indent="0">
-              <a:buNone/>
-            </a:pPr>
-            <a:r>
-              <a:rPr lang="en-US" altLang="zh-CN" dirty="0"/>
-              <a:t>            //wait - don't take old object (or null)</a:t>
-            </a:r>
-          </a:p>
-          <a:p>
-            <a:pPr marL="0" indent="0">
-              <a:buNone/>
-            </a:pPr>
-            <a:r>
-              <a:rPr lang="en-US" altLang="zh-CN" dirty="0"/>
-              <a:t>        }</a:t>
-            </a:r>
-          </a:p>
-          <a:p>
-            <a:pPr marL="0" indent="0">
-              <a:buNone/>
-            </a:pPr>
-            <a:r>
-              <a:rPr lang="en-US" altLang="zh-CN" dirty="0"/>
-              <a:t>        Object </a:t>
-            </a:r>
-            <a:r>
-              <a:rPr lang="en-US" altLang="zh-CN" dirty="0" err="1"/>
-              <a:t>obj</a:t>
-            </a:r>
-            <a:r>
-              <a:rPr lang="en-US" altLang="zh-CN" dirty="0"/>
-              <a:t> = object;</a:t>
-            </a:r>
-          </a:p>
-          <a:p>
-            <a:pPr marL="0" indent="0">
-              <a:buNone/>
-            </a:pPr>
-            <a:r>
-              <a:rPr lang="en-US" altLang="zh-CN" dirty="0"/>
-              <a:t>        </a:t>
-            </a:r>
-            <a:r>
-              <a:rPr lang="en-US" altLang="zh-CN" dirty="0" err="1"/>
-              <a:t>hasNewObject</a:t>
-            </a:r>
-            <a:r>
-              <a:rPr lang="en-US" altLang="zh-CN" dirty="0"/>
-              <a:t> = false; //volatile write</a:t>
-            </a:r>
-          </a:p>
-          <a:p>
-            <a:pPr marL="0" indent="0">
-              <a:buNone/>
-            </a:pPr>
-            <a:r>
-              <a:rPr lang="en-US" altLang="zh-CN" dirty="0"/>
-              <a:t>        return </a:t>
-            </a:r>
-            <a:r>
-              <a:rPr lang="en-US" altLang="zh-CN" dirty="0" err="1"/>
-              <a:t>obj</a:t>
-            </a:r>
-            <a:r>
-              <a:rPr lang="en-US" altLang="zh-CN" dirty="0"/>
-              <a:t>;</a:t>
-            </a:r>
-          </a:p>
-          <a:p>
-            <a:pPr marL="0" indent="0">
-              <a:buNone/>
-            </a:pPr>
-            <a:r>
-              <a:rPr lang="en-US" altLang="zh-CN" dirty="0"/>
-              <a:t>    }</a:t>
-            </a:r>
-          </a:p>
-          <a:p>
-            <a:pPr marL="0" indent="0">
-              <a:buNone/>
-            </a:pPr>
-            <a:r>
-              <a:rPr lang="en-US" altLang="zh-CN" dirty="0"/>
-              <a:t>}</a:t>
-            </a:r>
-            <a:endParaRPr lang="zh-CN" altLang="en-US" dirty="0"/>
-          </a:p>
-        </p:txBody>
-      </p:sp>
-      <p:sp>
-        <p:nvSpPr>
-          <p:cNvPr id="4" name="TextBox 3"/>
-          <p:cNvSpPr txBox="1"/>
-          <p:nvPr/>
-        </p:nvSpPr>
-        <p:spPr>
-          <a:xfrm>
-            <a:off x="5076056" y="1556792"/>
-            <a:ext cx="3384376" cy="369332"/>
-          </a:xfrm>
-          <a:prstGeom prst="rect">
-            <a:avLst/>
-          </a:prstGeom>
-          <a:noFill/>
-        </p:spPr>
-        <p:txBody>
-          <a:bodyPr wrap="square" rtlCol="0">
-            <a:spAutoFit/>
-          </a:bodyPr>
-          <a:lstStyle/>
-          <a:p>
-            <a:endParaRPr lang="zh-CN" altLang="en-US" dirty="0"/>
-          </a:p>
-        </p:txBody>
-      </p:sp>
-      <p:sp>
-        <p:nvSpPr>
-          <p:cNvPr id="7" name="内容占位符 1"/>
-          <p:cNvSpPr txBox="1">
-            <a:spLocks/>
-          </p:cNvSpPr>
-          <p:nvPr/>
-        </p:nvSpPr>
-        <p:spPr>
-          <a:xfrm>
-            <a:off x="5076056" y="1146365"/>
-            <a:ext cx="3827128" cy="598457"/>
-          </a:xfrm>
-          <a:prstGeom prst="rect">
-            <a:avLst/>
-          </a:prstGeom>
-        </p:spPr>
-        <p:txBody>
-          <a:bodyPr vert="horz" lIns="91440" tIns="45720" rIns="91440" bIns="45720" rtlCol="0">
-            <a:normAutofit fontScale="85000" lnSpcReduction="20000"/>
-          </a:bodyPr>
-          <a:lstStyle>
-            <a:lvl1pPr marL="342900" indent="-342900" algn="l" defTabSz="914400" rtl="0" eaLnBrk="1" latinLnBrk="0" hangingPunct="1">
-              <a:spcBef>
-                <a:spcPct val="20000"/>
-              </a:spcBef>
-              <a:buFont typeface="Arial" panose="020B0604020202020204" pitchFamily="34" charset="0"/>
-              <a:buChar char="•"/>
-              <a:defRPr sz="3200" kern="1200">
-                <a:solidFill>
-                  <a:schemeClr val="bg1"/>
-                </a:solidFill>
-                <a:latin typeface="微软雅黑" panose="020B0503020204020204" pitchFamily="34" charset="-122"/>
-                <a:ea typeface="微软雅黑" panose="020B0503020204020204" pitchFamily="34" charset="-122"/>
-                <a:cs typeface="+mn-cs"/>
-              </a:defRPr>
-            </a:lvl1pPr>
-            <a:lvl2pPr marL="742950" indent="-285750" algn="l" defTabSz="914400" rtl="0" eaLnBrk="1" latinLnBrk="0" hangingPunct="1">
-              <a:spcBef>
-                <a:spcPct val="20000"/>
-              </a:spcBef>
-              <a:buFont typeface="Arial" panose="020B0604020202020204" pitchFamily="34" charset="0"/>
-              <a:buChar char="–"/>
-              <a:defRPr sz="2800" kern="1200">
-                <a:solidFill>
-                  <a:schemeClr val="bg1"/>
-                </a:solidFill>
-                <a:latin typeface="微软雅黑" panose="020B0503020204020204" pitchFamily="34" charset="-122"/>
-                <a:ea typeface="微软雅黑" panose="020B0503020204020204" pitchFamily="34" charset="-122"/>
-                <a:cs typeface="+mn-cs"/>
-              </a:defRPr>
-            </a:lvl2pPr>
-            <a:lvl3pPr marL="1143000" indent="-228600" algn="l" defTabSz="914400" rtl="0" eaLnBrk="1" latinLnBrk="0" hangingPunct="1">
-              <a:spcBef>
-                <a:spcPct val="20000"/>
-              </a:spcBef>
-              <a:buFont typeface="Arial" panose="020B0604020202020204" pitchFamily="34" charset="0"/>
-              <a:buChar char="•"/>
-              <a:defRPr sz="2400" kern="1200">
-                <a:solidFill>
-                  <a:schemeClr val="bg1"/>
-                </a:solidFill>
-                <a:latin typeface="微软雅黑" panose="020B0503020204020204" pitchFamily="34" charset="-122"/>
-                <a:ea typeface="微软雅黑" panose="020B0503020204020204" pitchFamily="34" charset="-122"/>
-                <a:cs typeface="+mn-cs"/>
-              </a:defRPr>
-            </a:lvl3pPr>
-            <a:lvl4pPr marL="1600200" indent="-228600" algn="l" defTabSz="914400" rtl="0" eaLnBrk="1" latinLnBrk="0" hangingPunct="1">
-              <a:spcBef>
-                <a:spcPct val="20000"/>
-              </a:spcBef>
-              <a:buFont typeface="Arial" panose="020B0604020202020204" pitchFamily="34" charset="0"/>
-              <a:buChar char="–"/>
-              <a:defRPr sz="2000" kern="1200">
-                <a:solidFill>
-                  <a:schemeClr val="bg1"/>
-                </a:solidFill>
-                <a:latin typeface="微软雅黑" panose="020B0503020204020204" pitchFamily="34" charset="-122"/>
-                <a:ea typeface="微软雅黑" panose="020B0503020204020204" pitchFamily="34" charset="-122"/>
-                <a:cs typeface="+mn-cs"/>
-              </a:defRPr>
-            </a:lvl4pPr>
-            <a:lvl5pPr marL="2057400" indent="-228600" algn="l" defTabSz="914400" rtl="0" eaLnBrk="1" latinLnBrk="0" hangingPunct="1">
-              <a:spcBef>
-                <a:spcPct val="20000"/>
-              </a:spcBef>
-              <a:buFont typeface="Arial" panose="020B0604020202020204" pitchFamily="34" charset="0"/>
-              <a:buChar char="»"/>
-              <a:defRPr sz="2000" kern="1200">
-                <a:solidFill>
-                  <a:schemeClr val="bg1"/>
-                </a:solidFill>
-                <a:latin typeface="微软雅黑" panose="020B0503020204020204" pitchFamily="34" charset="-122"/>
-                <a:ea typeface="微软雅黑" panose="020B0503020204020204" pitchFamily="34" charset="-122"/>
-                <a:cs typeface="+mn-cs"/>
-              </a:defRPr>
-            </a:lvl5pPr>
-            <a:lvl6pPr marL="2514600" indent="-228600" algn="l" defTabSz="914400" rtl="0" eaLnBrk="1" latinLnBrk="0" hangingPunct="1">
-              <a:spcBef>
-                <a:spcPct val="20000"/>
-              </a:spcBef>
-              <a:buFont typeface="Arial" panose="020B0604020202020204" pitchFamily="34" charset="0"/>
-              <a:buChar char="•"/>
-              <a:defRPr sz="2000" kern="1200">
-                <a:solidFill>
-                  <a:schemeClr val="tx1"/>
-                </a:solidFill>
-                <a:latin typeface="+mn-lt"/>
-                <a:ea typeface="+mn-ea"/>
-                <a:cs typeface="+mn-cs"/>
-              </a:defRPr>
-            </a:lvl6pPr>
-            <a:lvl7pPr marL="2971800" indent="-228600" algn="l" defTabSz="914400" rtl="0" eaLnBrk="1" latinLnBrk="0" hangingPunct="1">
-              <a:spcBef>
-                <a:spcPct val="20000"/>
-              </a:spcBef>
-              <a:buFont typeface="Arial" panose="020B0604020202020204" pitchFamily="34" charset="0"/>
-              <a:buChar char="•"/>
-              <a:defRPr sz="2000" kern="1200">
-                <a:solidFill>
-                  <a:schemeClr val="tx1"/>
-                </a:solidFill>
-                <a:latin typeface="+mn-lt"/>
-                <a:ea typeface="+mn-ea"/>
-                <a:cs typeface="+mn-cs"/>
-              </a:defRPr>
-            </a:lvl7pPr>
-            <a:lvl8pPr marL="3429000" indent="-228600" algn="l" defTabSz="914400" rtl="0" eaLnBrk="1" latinLnBrk="0" hangingPunct="1">
-              <a:spcBef>
-                <a:spcPct val="20000"/>
-              </a:spcBef>
-              <a:buFont typeface="Arial" panose="020B0604020202020204" pitchFamily="34" charset="0"/>
-              <a:buChar char="•"/>
-              <a:defRPr sz="2000" kern="1200">
-                <a:solidFill>
-                  <a:schemeClr val="tx1"/>
-                </a:solidFill>
-                <a:latin typeface="+mn-lt"/>
-                <a:ea typeface="+mn-ea"/>
-                <a:cs typeface="+mn-cs"/>
-              </a:defRPr>
-            </a:lvl8pPr>
-            <a:lvl9pPr marL="3886200" indent="-228600" algn="l" defTabSz="914400" rtl="0" eaLnBrk="1" latinLnBrk="0" hangingPunct="1">
-              <a:spcBef>
-                <a:spcPct val="20000"/>
-              </a:spcBef>
-              <a:buFont typeface="Arial" panose="020B0604020202020204" pitchFamily="34" charset="0"/>
-              <a:buChar char="•"/>
-              <a:defRPr sz="2000" kern="1200">
-                <a:solidFill>
-                  <a:schemeClr val="tx1"/>
-                </a:solidFill>
-                <a:latin typeface="+mn-lt"/>
-                <a:ea typeface="+mn-ea"/>
-                <a:cs typeface="+mn-cs"/>
-              </a:defRPr>
-            </a:lvl9pPr>
-          </a:lstStyle>
-          <a:p>
-            <a:pPr marL="457200" lvl="1" indent="0">
-              <a:buNone/>
-            </a:pPr>
-            <a:r>
-              <a:rPr lang="zh-CN" altLang="en-US" sz="2400" dirty="0" smtClean="0"/>
-              <a:t>两个线程，只能有一个线程在执行，另一个线程</a:t>
-            </a:r>
-            <a:r>
-              <a:rPr lang="zh-CN" altLang="en-US" sz="2400" dirty="0"/>
-              <a:t>在</a:t>
-            </a:r>
-            <a:r>
-              <a:rPr lang="zh-CN" altLang="en-US" sz="2400" dirty="0" smtClean="0"/>
-              <a:t>等待</a:t>
-            </a:r>
-            <a:endParaRPr lang="en-US" altLang="zh-CN" sz="2400" dirty="0" smtClean="0"/>
-          </a:p>
-          <a:p>
-            <a:pPr lvl="1"/>
-            <a:endParaRPr lang="zh-CN" altLang="en-US" sz="2400" dirty="0" smtClean="0"/>
-          </a:p>
-        </p:txBody>
-      </p:sp>
-    </p:spTree>
-    <p:extLst>
-      <p:ext uri="{BB962C8B-B14F-4D97-AF65-F5344CB8AC3E}">
-        <p14:creationId xmlns:p14="http://schemas.microsoft.com/office/powerpoint/2010/main" val="3980714221"/>
-      </p:ext>
-    </p:extLst>
-  </p:cSld>
-  <p:clrMapOvr>
-    <a:masterClrMapping/>
-  </p:clrMapOvr>
-  <p:timing>
-    <p:tnLst>
-      <p:par>
-        <p:cTn id="1" dur="indefinite" restart="never" nodeType="tmRoot"/>
-      </p:par>
-    </p:tnLst>
-  </p:timing>
-</p:sld>
-</file>
-
-<file path=ppt/slides/slide12.xml><?xml version="1.0" encoding="utf-8"?>
-<p:sld xmlns:a="http://schemas.openxmlformats.org/drawingml/2006/main" xmlns:r="http://schemas.openxmlformats.org/officeDocument/2006/relationships" xmlns:p="http://schemas.openxmlformats.org/presentationml/2006/main">
-  <p:cSld>
-    <p:spTree>
-      <p:nvGrpSpPr>
-        <p:cNvPr id="1" name=""/>
-        <p:cNvGrpSpPr/>
-        <p:nvPr/>
-      </p:nvGrpSpPr>
-      <p:grpSpPr>
-        <a:xfrm>
-          <a:off x="0" y="0"/>
-          <a:ext cx="0" cy="0"/>
-          <a:chOff x="0" y="0"/>
-          <a:chExt cx="0" cy="0"/>
-        </a:xfrm>
-      </p:grpSpPr>
-      <p:sp>
-        <p:nvSpPr>
-          <p:cNvPr id="2" name="标题 1"/>
-          <p:cNvSpPr>
-            <a:spLocks noGrp="1"/>
-          </p:cNvSpPr>
-          <p:nvPr>
-            <p:ph type="title"/>
-          </p:nvPr>
-        </p:nvSpPr>
         <p:spPr/>
         <p:txBody>
           <a:bodyPr>
@@ -40522,7 +40076,7 @@
           <a:p>
             <a:r>
               <a:rPr lang="zh-CN" altLang="en-US" dirty="0"/>
-              <a:t>线程同步：临界区互斥</a:t>
+              <a:t>线程同步</a:t>
             </a:r>
           </a:p>
         </p:txBody>
@@ -40543,445 +40097,166 @@
           <a:lstStyle/>
           <a:p>
             <a:r>
-              <a:rPr lang="zh-CN" altLang="en-US" dirty="0" smtClean="0"/>
-              <a:t>，</a:t>
+              <a:rPr lang="en-US" altLang="zh-CN" sz="2000" dirty="0"/>
+              <a:t>semaphore</a:t>
             </a:r>
+            <a:r>
+              <a:rPr lang="zh-CN" altLang="en-US" sz="2000" dirty="0"/>
+              <a:t>（信号量）</a:t>
+            </a:r>
+            <a:endParaRPr lang="en-US" altLang="zh-CN" sz="2000" dirty="0"/>
+          </a:p>
+          <a:p>
+            <a:pPr lvl="1"/>
+            <a:r>
+              <a:rPr lang="en-US" altLang="zh-CN" sz="2000" dirty="0"/>
+              <a:t>semaphore</a:t>
+            </a:r>
+            <a:r>
+              <a:rPr lang="zh-CN" altLang="en-US" sz="2000" dirty="0"/>
+              <a:t>有多个值</a:t>
+            </a:r>
+            <a:r>
+              <a:rPr lang="en-US" altLang="zh-CN" sz="2000" dirty="0"/>
+              <a:t>(</a:t>
+            </a:r>
+            <a:r>
+              <a:rPr lang="zh-CN" altLang="en-US" sz="2000" dirty="0"/>
+              <a:t>量</a:t>
+            </a:r>
+            <a:r>
+              <a:rPr lang="en-US" altLang="zh-CN" sz="2000" dirty="0"/>
+              <a:t>).</a:t>
+            </a:r>
+            <a:endParaRPr lang="zh-CN" altLang="en-US" sz="2000" dirty="0"/>
+          </a:p>
+          <a:p>
+            <a:pPr lvl="1"/>
+            <a:r>
+              <a:rPr lang="zh-CN" altLang="en-US" sz="2000" dirty="0"/>
+              <a:t>二元信号量：即只存在是与否，</a:t>
+            </a:r>
+            <a:r>
+              <a:rPr lang="en-US" altLang="zh-CN" sz="2000" dirty="0"/>
+              <a:t>0</a:t>
+            </a:r>
+            <a:r>
+              <a:rPr lang="zh-CN" altLang="en-US" sz="2000" dirty="0"/>
+              <a:t>与</a:t>
+            </a:r>
+            <a:r>
+              <a:rPr lang="en-US" altLang="zh-CN" sz="2000" dirty="0"/>
+              <a:t>1</a:t>
+            </a:r>
+            <a:r>
+              <a:rPr lang="zh-CN" altLang="en-US" sz="2000" dirty="0"/>
+              <a:t>两种状态。</a:t>
+            </a:r>
+            <a:endParaRPr lang="en-US" altLang="zh-CN" sz="2000" dirty="0"/>
+          </a:p>
+          <a:p>
+            <a:r>
+              <a:rPr lang="en-US" altLang="zh-CN" sz="2000" dirty="0" err="1"/>
+              <a:t>mutex</a:t>
+            </a:r>
+            <a:r>
+              <a:rPr lang="zh-CN" altLang="en-US" sz="2000" dirty="0"/>
+              <a:t>（互斥量）</a:t>
+            </a:r>
+            <a:endParaRPr lang="en-US" altLang="zh-CN" sz="2000" dirty="0"/>
+          </a:p>
+          <a:p>
+            <a:pPr lvl="1"/>
+            <a:r>
+              <a:rPr lang="zh-CN" altLang="en-US" sz="2000" dirty="0"/>
+              <a:t>二元锁机制，只有是（</a:t>
+            </a:r>
+            <a:r>
+              <a:rPr lang="en-US" altLang="zh-CN" sz="2000" dirty="0"/>
+              <a:t>1</a:t>
+            </a:r>
+            <a:r>
+              <a:rPr lang="zh-CN" altLang="en-US" sz="2000" dirty="0"/>
+              <a:t>）和否（</a:t>
+            </a:r>
+            <a:r>
+              <a:rPr lang="en-US" altLang="zh-CN" sz="2000" dirty="0"/>
+              <a:t>0</a:t>
+            </a:r>
+            <a:r>
+              <a:rPr lang="zh-CN" altLang="en-US" sz="2000" dirty="0"/>
+              <a:t>）的两个值</a:t>
+            </a:r>
+            <a:endParaRPr lang="en-US" altLang="zh-CN" sz="2000" dirty="0"/>
+          </a:p>
+          <a:p>
+            <a:r>
+              <a:rPr lang="en-US" altLang="zh-CN" sz="2000" dirty="0"/>
+              <a:t>Java</a:t>
+            </a:r>
+            <a:r>
+              <a:rPr lang="zh-CN" altLang="en-US" sz="2000" dirty="0"/>
+              <a:t>的支持：</a:t>
+            </a:r>
+            <a:endParaRPr lang="en-US" altLang="zh-CN" sz="2000" dirty="0"/>
+          </a:p>
+          <a:p>
+            <a:pPr lvl="1"/>
+            <a:r>
+              <a:rPr lang="en-US" altLang="zh-CN" sz="2000" dirty="0"/>
+              <a:t>Semaphore(</a:t>
+            </a:r>
+            <a:r>
+              <a:rPr lang="en-US" altLang="zh-CN" sz="2000" dirty="0" err="1"/>
+              <a:t>int</a:t>
+            </a:r>
+            <a:r>
+              <a:rPr lang="en-US" altLang="zh-CN" sz="2000" dirty="0"/>
+              <a:t> permits</a:t>
+            </a:r>
+            <a:r>
+              <a:rPr lang="en-US" altLang="zh-CN" sz="2000" dirty="0" smtClean="0"/>
+              <a:t>)</a:t>
+            </a:r>
+          </a:p>
+          <a:p>
+            <a:pPr lvl="1"/>
+            <a:r>
+              <a:rPr lang="en-US" altLang="zh-CN" sz="2000" dirty="0" err="1"/>
+              <a:t>ReentrantLock</a:t>
+            </a:r>
+            <a:endParaRPr lang="en-US" altLang="zh-CN" sz="2000" dirty="0"/>
+          </a:p>
+          <a:p>
+            <a:pPr lvl="1"/>
+            <a:r>
+              <a:rPr lang="en-US" altLang="zh-CN" sz="1600" dirty="0" err="1"/>
+              <a:t>ReadWriteLock</a:t>
+            </a:r>
+            <a:endParaRPr lang="en-US" altLang="zh-CN" sz="1600" dirty="0"/>
+          </a:p>
+          <a:p>
+            <a:endParaRPr lang="en-US" altLang="zh-CN" dirty="0" smtClean="0"/>
+          </a:p>
+          <a:p>
             <a:endParaRPr lang="zh-CN" altLang="en-US" dirty="0"/>
           </a:p>
         </p:txBody>
       </p:sp>
-      <p:pic>
-        <p:nvPicPr>
-          <p:cNvPr id="4" name="Picture 6"/>
-          <p:cNvPicPr>
-            <a:picLocks noChangeAspect="1" noChangeArrowheads="1"/>
-          </p:cNvPicPr>
-          <p:nvPr/>
-        </p:nvPicPr>
-        <p:blipFill>
-          <a:blip r:embed="rId2">
-            <a:extLst>
-              <a:ext uri="{28A0092B-C50C-407E-A947-70E740481C1C}">
-                <a14:useLocalDpi xmlns:a14="http://schemas.microsoft.com/office/drawing/2010/main" val="0"/>
-              </a:ext>
-            </a:extLst>
-          </a:blip>
-          <a:srcRect/>
-          <a:stretch>
-            <a:fillRect/>
-          </a:stretch>
-        </p:blipFill>
-        <p:spPr bwMode="auto">
-          <a:xfrm>
-            <a:off x="323529" y="980728"/>
-            <a:ext cx="5472607" cy="4886325"/>
-          </a:xfrm>
-          <a:prstGeom prst="rect">
-            <a:avLst/>
-          </a:prstGeom>
-          <a:noFill/>
-          <a:ln>
-            <a:noFill/>
-          </a:ln>
-          <a:extLst>
-            <a:ext uri="{909E8E84-426E-40DD-AFC4-6F175D3DCCD1}">
-              <a14:hiddenFill xmlns:a14="http://schemas.microsoft.com/office/drawing/2010/main">
-                <a:solidFill>
-                  <a:srgbClr val="FFFFFF"/>
-                </a:solidFill>
-              </a14:hiddenFill>
-            </a:ext>
-            <a:ext uri="{91240B29-F687-4F45-9708-019B960494DF}">
-              <a14:hiddenLine xmlns:a14="http://schemas.microsoft.com/office/drawing/2010/main" w="9525" algn="ctr">
-                <a:solidFill>
-                  <a:srgbClr val="000000"/>
-                </a:solidFill>
-                <a:miter lim="800000"/>
-                <a:headEnd/>
-                <a:tailEnd/>
-              </a14:hiddenLine>
-            </a:ext>
-          </a:extLst>
-        </p:spPr>
-      </p:pic>
-      <p:pic>
-        <p:nvPicPr>
-          <p:cNvPr id="5" name="Picture 4"/>
-          <p:cNvPicPr>
-            <a:picLocks noChangeAspect="1" noChangeArrowheads="1"/>
-          </p:cNvPicPr>
-          <p:nvPr/>
-        </p:nvPicPr>
-        <p:blipFill>
-          <a:blip r:embed="rId3">
-            <a:extLst>
-              <a:ext uri="{28A0092B-C50C-407E-A947-70E740481C1C}">
-                <a14:useLocalDpi xmlns:a14="http://schemas.microsoft.com/office/drawing/2010/main" val="0"/>
-              </a:ext>
-            </a:extLst>
-          </a:blip>
-          <a:srcRect/>
-          <a:stretch>
-            <a:fillRect/>
-          </a:stretch>
-        </p:blipFill>
-        <p:spPr bwMode="auto">
-          <a:xfrm>
-            <a:off x="5835762" y="1484784"/>
-            <a:ext cx="3077344" cy="3124200"/>
-          </a:xfrm>
-          <a:prstGeom prst="rect">
-            <a:avLst/>
-          </a:prstGeom>
-          <a:noFill/>
-          <a:ln>
-            <a:noFill/>
-          </a:ln>
-          <a:extLst>
-            <a:ext uri="{909E8E84-426E-40DD-AFC4-6F175D3DCCD1}">
-              <a14:hiddenFill xmlns:a14="http://schemas.microsoft.com/office/drawing/2010/main">
-                <a:solidFill>
-                  <a:srgbClr val="FFFFFF"/>
-                </a:solidFill>
-              </a14:hiddenFill>
-            </a:ext>
-            <a:ext uri="{91240B29-F687-4F45-9708-019B960494DF}">
-              <a14:hiddenLine xmlns:a14="http://schemas.microsoft.com/office/drawing/2010/main" w="9525" algn="ctr">
-                <a:solidFill>
-                  <a:srgbClr val="000000"/>
-                </a:solidFill>
-                <a:miter lim="800000"/>
-                <a:headEnd/>
-                <a:tailEnd/>
-              </a14:hiddenLine>
-            </a:ext>
-          </a:extLst>
-        </p:spPr>
-      </p:pic>
     </p:spTree>
     <p:extLst>
       <p:ext uri="{BB962C8B-B14F-4D97-AF65-F5344CB8AC3E}">
-        <p14:creationId xmlns:p14="http://schemas.microsoft.com/office/powerpoint/2010/main" val="1206207919"/>
+        <p14:creationId xmlns:p14="http://schemas.microsoft.com/office/powerpoint/2010/main" val="1190763513"/>
       </p:ext>
     </p:extLst>
   </p:cSld>
   <p:clrMapOvr>
     <a:masterClrMapping/>
   </p:clrMapOvr>
-  <p:timing>
-    <p:tnLst>
-      <p:par>
-        <p:cTn id="1" dur="indefinite" restart="never" nodeType="tmRoot"/>
-      </p:par>
-    </p:tnLst>
-  </p:timing>
 </p:sld>
 </file>
 
-<file path=ppt/slides/slide13.xml><?xml version="1.0" encoding="utf-8"?>
-<p:sld xmlns:a="http://schemas.openxmlformats.org/drawingml/2006/main" xmlns:r="http://schemas.openxmlformats.org/officeDocument/2006/relationships" xmlns:p="http://schemas.openxmlformats.org/presentationml/2006/main">
-  <p:cSld>
-    <p:spTree>
-      <p:nvGrpSpPr>
-        <p:cNvPr id="1" name=""/>
-        <p:cNvGrpSpPr/>
-        <p:nvPr/>
-      </p:nvGrpSpPr>
-      <p:grpSpPr>
-        <a:xfrm>
-          <a:off x="0" y="0"/>
-          <a:ext cx="0" cy="0"/>
-          <a:chOff x="0" y="0"/>
-          <a:chExt cx="0" cy="0"/>
-        </a:xfrm>
-      </p:grpSpPr>
-      <p:sp>
-        <p:nvSpPr>
-          <p:cNvPr id="2" name="标题 1"/>
-          <p:cNvSpPr>
-            <a:spLocks noGrp="1"/>
-          </p:cNvSpPr>
-          <p:nvPr>
-            <p:ph type="title"/>
-          </p:nvPr>
-        </p:nvSpPr>
-        <p:spPr/>
-        <p:txBody>
-          <a:bodyPr>
-            <a:normAutofit fontScale="90000"/>
-          </a:bodyPr>
-          <a:lstStyle/>
-          <a:p>
-            <a:r>
-              <a:rPr lang="en-US" altLang="zh-CN" b="1" dirty="0" smtClean="0">
-                <a:effectLst/>
-              </a:rPr>
-              <a:t>synchronized</a:t>
-            </a:r>
-            <a:r>
-              <a:rPr lang="zh-CN" altLang="en-US" b="1" dirty="0" smtClean="0">
-                <a:effectLst/>
-              </a:rPr>
-              <a:t>关键字</a:t>
-            </a:r>
-            <a:endParaRPr lang="zh-CN" altLang="en-US" dirty="0"/>
-          </a:p>
-        </p:txBody>
-      </p:sp>
-      <p:sp>
-        <p:nvSpPr>
-          <p:cNvPr id="3" name="内容占位符 2"/>
-          <p:cNvSpPr>
-            <a:spLocks noGrp="1"/>
-          </p:cNvSpPr>
-          <p:nvPr>
-            <p:ph idx="1"/>
-          </p:nvPr>
-        </p:nvSpPr>
-        <p:spPr>
-          <a:xfrm>
-            <a:off x="457200" y="980728"/>
-            <a:ext cx="8229600" cy="5145435"/>
-          </a:xfrm>
-        </p:spPr>
-        <p:txBody>
-          <a:bodyPr>
-            <a:normAutofit fontScale="70000" lnSpcReduction="20000"/>
-          </a:bodyPr>
-          <a:lstStyle/>
-          <a:p>
-            <a:r>
-              <a:rPr lang="zh-CN" altLang="en-US" dirty="0" smtClean="0"/>
-              <a:t>同步实例方法</a:t>
-            </a:r>
-            <a:endParaRPr lang="en-US" altLang="zh-CN" dirty="0" smtClean="0"/>
-          </a:p>
-          <a:p>
-            <a:pPr marL="0" indent="0">
-              <a:buNone/>
-            </a:pPr>
-            <a:r>
-              <a:rPr lang="en-US" altLang="zh-CN" dirty="0"/>
-              <a:t> public </a:t>
-            </a:r>
-            <a:r>
-              <a:rPr lang="en-US" altLang="zh-CN" dirty="0">
-                <a:solidFill>
-                  <a:srgbClr val="FF0000"/>
-                </a:solidFill>
-              </a:rPr>
-              <a:t>synchronized</a:t>
-            </a:r>
-            <a:r>
-              <a:rPr lang="en-US" altLang="zh-CN" dirty="0"/>
-              <a:t> void add(</a:t>
-            </a:r>
-            <a:r>
-              <a:rPr lang="en-US" altLang="zh-CN" dirty="0" err="1"/>
-              <a:t>int</a:t>
-            </a:r>
-            <a:r>
-              <a:rPr lang="en-US" altLang="zh-CN" dirty="0"/>
-              <a:t> value){</a:t>
-            </a:r>
-          </a:p>
-          <a:p>
-            <a:pPr marL="0" indent="0">
-              <a:buNone/>
-            </a:pPr>
-            <a:r>
-              <a:rPr lang="en-US" altLang="zh-CN" dirty="0"/>
-              <a:t>      </a:t>
-            </a:r>
-            <a:r>
-              <a:rPr lang="en-US" altLang="zh-CN" dirty="0" err="1"/>
-              <a:t>this.count</a:t>
-            </a:r>
-            <a:r>
-              <a:rPr lang="en-US" altLang="zh-CN" dirty="0"/>
-              <a:t> += value;</a:t>
-            </a:r>
-          </a:p>
-          <a:p>
-            <a:pPr marL="0" indent="0">
-              <a:buNone/>
-            </a:pPr>
-            <a:r>
-              <a:rPr lang="en-US" altLang="zh-CN" dirty="0"/>
-              <a:t>  </a:t>
-            </a:r>
-            <a:r>
-              <a:rPr lang="en-US" altLang="zh-CN" dirty="0" smtClean="0"/>
-              <a:t>}</a:t>
-            </a:r>
-          </a:p>
-          <a:p>
-            <a:r>
-              <a:rPr lang="zh-CN" altLang="en-US" dirty="0" smtClean="0"/>
-              <a:t>同步方法</a:t>
-            </a:r>
-            <a:endParaRPr lang="en-US" altLang="zh-CN" dirty="0" smtClean="0"/>
-          </a:p>
-          <a:p>
-            <a:pPr marL="0" indent="0">
-              <a:buNone/>
-            </a:pPr>
-            <a:r>
-              <a:rPr lang="en-US" altLang="zh-CN" dirty="0"/>
-              <a:t> public static </a:t>
-            </a:r>
-            <a:r>
-              <a:rPr lang="en-US" altLang="zh-CN" dirty="0">
-                <a:solidFill>
-                  <a:srgbClr val="FF0000"/>
-                </a:solidFill>
-              </a:rPr>
-              <a:t>synchronized</a:t>
-            </a:r>
-            <a:r>
-              <a:rPr lang="en-US" altLang="zh-CN" dirty="0"/>
-              <a:t> void add(</a:t>
-            </a:r>
-            <a:r>
-              <a:rPr lang="en-US" altLang="zh-CN" dirty="0" err="1"/>
-              <a:t>int</a:t>
-            </a:r>
-            <a:r>
-              <a:rPr lang="en-US" altLang="zh-CN" dirty="0"/>
-              <a:t> value){</a:t>
-            </a:r>
-          </a:p>
-          <a:p>
-            <a:pPr marL="0" indent="0">
-              <a:buNone/>
-            </a:pPr>
-            <a:r>
-              <a:rPr lang="en-US" altLang="zh-CN" dirty="0"/>
-              <a:t>      count += value;</a:t>
-            </a:r>
-          </a:p>
-          <a:p>
-            <a:pPr marL="0" indent="0">
-              <a:buNone/>
-            </a:pPr>
-            <a:r>
-              <a:rPr lang="en-US" altLang="zh-CN" dirty="0"/>
-              <a:t>  </a:t>
-            </a:r>
-            <a:r>
-              <a:rPr lang="en-US" altLang="zh-CN" dirty="0" smtClean="0"/>
-              <a:t>}</a:t>
-            </a:r>
-          </a:p>
-          <a:p>
-            <a:r>
-              <a:rPr lang="zh-CN" altLang="en-US" dirty="0" smtClean="0"/>
-              <a:t>实例方法中的同步块</a:t>
-            </a:r>
-            <a:endParaRPr lang="en-US" altLang="zh-CN" dirty="0" smtClean="0"/>
-          </a:p>
-          <a:p>
-            <a:pPr marL="0" indent="0">
-              <a:buNone/>
-            </a:pPr>
-            <a:r>
-              <a:rPr lang="en-US" altLang="zh-CN" dirty="0"/>
-              <a:t> public void add(</a:t>
-            </a:r>
-            <a:r>
-              <a:rPr lang="en-US" altLang="zh-CN" dirty="0" err="1"/>
-              <a:t>int</a:t>
-            </a:r>
-            <a:r>
-              <a:rPr lang="en-US" altLang="zh-CN" dirty="0"/>
-              <a:t> value){</a:t>
-            </a:r>
-          </a:p>
-          <a:p>
-            <a:pPr marL="0" indent="0">
-              <a:buNone/>
-            </a:pPr>
-            <a:r>
-              <a:rPr lang="en-US" altLang="zh-CN" dirty="0"/>
-              <a:t>    </a:t>
-            </a:r>
-            <a:r>
-              <a:rPr lang="en-US" altLang="zh-CN" dirty="0">
-                <a:solidFill>
-                  <a:srgbClr val="FF0000"/>
-                </a:solidFill>
-              </a:rPr>
-              <a:t>synchronized</a:t>
-            </a:r>
-            <a:r>
-              <a:rPr lang="en-US" altLang="zh-CN" dirty="0"/>
-              <a:t>(this){</a:t>
-            </a:r>
-          </a:p>
-          <a:p>
-            <a:pPr marL="0" indent="0">
-              <a:buNone/>
-            </a:pPr>
-            <a:r>
-              <a:rPr lang="en-US" altLang="zh-CN" dirty="0"/>
-              <a:t>       </a:t>
-            </a:r>
-            <a:r>
-              <a:rPr lang="en-US" altLang="zh-CN" dirty="0" err="1"/>
-              <a:t>this.count</a:t>
-            </a:r>
-            <a:r>
-              <a:rPr lang="en-US" altLang="zh-CN" dirty="0"/>
-              <a:t> += value;   </a:t>
-            </a:r>
-          </a:p>
-          <a:p>
-            <a:pPr marL="0" indent="0">
-              <a:buNone/>
-            </a:pPr>
-            <a:r>
-              <a:rPr lang="en-US" altLang="zh-CN" dirty="0"/>
-              <a:t>    }</a:t>
-            </a:r>
-          </a:p>
-          <a:p>
-            <a:pPr marL="0" indent="0">
-              <a:buNone/>
-            </a:pPr>
-            <a:r>
-              <a:rPr lang="en-US" altLang="zh-CN" dirty="0"/>
-              <a:t>  }</a:t>
-            </a:r>
-          </a:p>
-          <a:p>
-            <a:pPr marL="0" indent="0">
-              <a:buNone/>
-            </a:pPr>
-            <a:endParaRPr lang="en-US" altLang="zh-CN" dirty="0" smtClean="0"/>
-          </a:p>
-        </p:txBody>
-      </p:sp>
-    </p:spTree>
-    <p:extLst>
-      <p:ext uri="{BB962C8B-B14F-4D97-AF65-F5344CB8AC3E}">
-        <p14:creationId xmlns:p14="http://schemas.microsoft.com/office/powerpoint/2010/main" val="1948275617"/>
-      </p:ext>
-    </p:extLst>
-  </p:cSld>
-  <p:clrMapOvr>
-    <a:masterClrMapping/>
-  </p:clrMapOvr>
-  <p:timing>
-    <p:tnLst>
-      <p:par>
-        <p:cTn id="1" dur="indefinite" restart="never" nodeType="tmRoot"/>
-      </p:par>
-    </p:tnLst>
-  </p:timing>
-</p:sld>
-</file>
-
-<file path=ppt/slides/slide14.xml><?xml version="1.0" encoding="utf-8"?>
+<file path=ppt/slides/slide12.xml><?xml version="1.0" encoding="utf-8"?>
 <p:sld xmlns:a="http://schemas.openxmlformats.org/drawingml/2006/main" xmlns:r="http://schemas.openxmlformats.org/officeDocument/2006/relationships" xmlns:p="http://schemas.openxmlformats.org/presentationml/2006/main">
   <p:cSld>
     <p:spTree>
@@ -41158,6 +40433,262 @@
 </p:sld>
 </file>
 
+<file path=ppt/slides/slide13.xml><?xml version="1.0" encoding="utf-8"?>
+<p:sld xmlns:a="http://schemas.openxmlformats.org/drawingml/2006/main" xmlns:r="http://schemas.openxmlformats.org/officeDocument/2006/relationships" xmlns:p="http://schemas.openxmlformats.org/presentationml/2006/main">
+  <p:cSld>
+    <p:spTree>
+      <p:nvGrpSpPr>
+        <p:cNvPr id="1" name=""/>
+        <p:cNvGrpSpPr/>
+        <p:nvPr/>
+      </p:nvGrpSpPr>
+      <p:grpSpPr>
+        <a:xfrm>
+          <a:off x="0" y="0"/>
+          <a:ext cx="0" cy="0"/>
+          <a:chOff x="0" y="0"/>
+          <a:chExt cx="0" cy="0"/>
+        </a:xfrm>
+      </p:grpSpPr>
+      <p:sp>
+        <p:nvSpPr>
+          <p:cNvPr id="2" name="标题 1"/>
+          <p:cNvSpPr>
+            <a:spLocks noGrp="1"/>
+          </p:cNvSpPr>
+          <p:nvPr>
+            <p:ph type="title"/>
+          </p:nvPr>
+        </p:nvSpPr>
+        <p:spPr/>
+        <p:txBody>
+          <a:bodyPr>
+            <a:normAutofit fontScale="90000"/>
+          </a:bodyPr>
+          <a:lstStyle/>
+          <a:p>
+            <a:r>
+              <a:rPr lang="zh-CN" altLang="en-US" dirty="0"/>
+              <a:t>线程死锁</a:t>
+            </a:r>
+          </a:p>
+        </p:txBody>
+      </p:sp>
+      <p:sp>
+        <p:nvSpPr>
+          <p:cNvPr id="3" name="内容占位符 2"/>
+          <p:cNvSpPr>
+            <a:spLocks noGrp="1"/>
+          </p:cNvSpPr>
+          <p:nvPr>
+            <p:ph idx="1"/>
+          </p:nvPr>
+        </p:nvSpPr>
+        <p:spPr/>
+        <p:txBody>
+          <a:bodyPr/>
+          <a:lstStyle/>
+          <a:p>
+            <a:endParaRPr lang="zh-CN" altLang="en-US"/>
+          </a:p>
+        </p:txBody>
+      </p:sp>
+      <p:pic>
+        <p:nvPicPr>
+          <p:cNvPr id="4" name="Picture 2"/>
+          <p:cNvPicPr>
+            <a:picLocks noChangeAspect="1" noChangeArrowheads="1"/>
+          </p:cNvPicPr>
+          <p:nvPr/>
+        </p:nvPicPr>
+        <p:blipFill>
+          <a:blip r:embed="rId2">
+            <a:extLst>
+              <a:ext uri="{28A0092B-C50C-407E-A947-70E740481C1C}">
+                <a14:useLocalDpi xmlns:a14="http://schemas.microsoft.com/office/drawing/2010/main" val="0"/>
+              </a:ext>
+            </a:extLst>
+          </a:blip>
+          <a:srcRect/>
+          <a:stretch>
+            <a:fillRect/>
+          </a:stretch>
+        </p:blipFill>
+        <p:spPr bwMode="auto">
+          <a:xfrm>
+            <a:off x="1547664" y="1554026"/>
+            <a:ext cx="6109713" cy="3747181"/>
+          </a:xfrm>
+          <a:prstGeom prst="rect">
+            <a:avLst/>
+          </a:prstGeom>
+          <a:noFill/>
+          <a:ln>
+            <a:noFill/>
+          </a:ln>
+          <a:extLst>
+            <a:ext uri="{909E8E84-426E-40DD-AFC4-6F175D3DCCD1}">
+              <a14:hiddenFill xmlns:a14="http://schemas.microsoft.com/office/drawing/2010/main">
+                <a:solidFill>
+                  <a:srgbClr val="FFFFFF"/>
+                </a:solidFill>
+              </a14:hiddenFill>
+            </a:ext>
+            <a:ext uri="{91240B29-F687-4F45-9708-019B960494DF}">
+              <a14:hiddenLine xmlns:a14="http://schemas.microsoft.com/office/drawing/2010/main" w="9525" algn="ctr">
+                <a:solidFill>
+                  <a:srgbClr val="000000"/>
+                </a:solidFill>
+                <a:miter lim="800000"/>
+                <a:headEnd/>
+                <a:tailEnd/>
+              </a14:hiddenLine>
+            </a:ext>
+          </a:extLst>
+        </p:spPr>
+      </p:pic>
+    </p:spTree>
+    <p:extLst>
+      <p:ext uri="{BB962C8B-B14F-4D97-AF65-F5344CB8AC3E}">
+        <p14:creationId xmlns:p14="http://schemas.microsoft.com/office/powerpoint/2010/main" val="1135474093"/>
+      </p:ext>
+    </p:extLst>
+  </p:cSld>
+  <p:clrMapOvr>
+    <a:masterClrMapping/>
+  </p:clrMapOvr>
+</p:sld>
+</file>
+
+<file path=ppt/slides/slide14.xml><?xml version="1.0" encoding="utf-8"?>
+<p:sld xmlns:a="http://schemas.openxmlformats.org/drawingml/2006/main" xmlns:r="http://schemas.openxmlformats.org/officeDocument/2006/relationships" xmlns:p="http://schemas.openxmlformats.org/presentationml/2006/main">
+  <p:cSld>
+    <p:spTree>
+      <p:nvGrpSpPr>
+        <p:cNvPr id="1" name=""/>
+        <p:cNvGrpSpPr/>
+        <p:nvPr/>
+      </p:nvGrpSpPr>
+      <p:grpSpPr>
+        <a:xfrm>
+          <a:off x="0" y="0"/>
+          <a:ext cx="0" cy="0"/>
+          <a:chOff x="0" y="0"/>
+          <a:chExt cx="0" cy="0"/>
+        </a:xfrm>
+      </p:grpSpPr>
+      <p:sp>
+        <p:nvSpPr>
+          <p:cNvPr id="2" name="标题 1"/>
+          <p:cNvSpPr>
+            <a:spLocks noGrp="1"/>
+          </p:cNvSpPr>
+          <p:nvPr>
+            <p:ph type="title"/>
+          </p:nvPr>
+        </p:nvSpPr>
+        <p:spPr/>
+        <p:txBody>
+          <a:bodyPr>
+            <a:normAutofit fontScale="90000"/>
+          </a:bodyPr>
+          <a:lstStyle/>
+          <a:p>
+            <a:r>
+              <a:rPr lang="zh-CN" altLang="en-US" dirty="0"/>
+              <a:t>线程优先级</a:t>
+            </a:r>
+          </a:p>
+        </p:txBody>
+      </p:sp>
+      <p:sp>
+        <p:nvSpPr>
+          <p:cNvPr id="3" name="内容占位符 2"/>
+          <p:cNvSpPr>
+            <a:spLocks noGrp="1"/>
+          </p:cNvSpPr>
+          <p:nvPr>
+            <p:ph idx="1"/>
+          </p:nvPr>
+        </p:nvSpPr>
+        <p:spPr/>
+        <p:txBody>
+          <a:bodyPr/>
+          <a:lstStyle/>
+          <a:p>
+            <a:r>
+              <a:rPr lang="en-US" altLang="zh-CN" sz="2800" dirty="0" err="1" smtClean="0"/>
+              <a:t>Thread.setDaemon</a:t>
+            </a:r>
+            <a:r>
+              <a:rPr lang="en-US" altLang="zh-CN" sz="2800" dirty="0" smtClean="0"/>
+              <a:t>(</a:t>
+            </a:r>
+            <a:r>
+              <a:rPr lang="en-US" altLang="zh-CN" sz="2800" dirty="0" err="1" smtClean="0"/>
+              <a:t>boolean</a:t>
+            </a:r>
+            <a:r>
+              <a:rPr lang="en-US" altLang="zh-CN" sz="2800" dirty="0" smtClean="0"/>
+              <a:t> </a:t>
+            </a:r>
+            <a:r>
+              <a:rPr lang="en-US" altLang="zh-CN" sz="2800" dirty="0"/>
+              <a:t>on)</a:t>
+            </a:r>
+          </a:p>
+          <a:p>
+            <a:r>
+              <a:rPr lang="en-US" altLang="zh-CN" sz="2800" dirty="0" err="1" smtClean="0"/>
+              <a:t>Thread.setPriority</a:t>
+            </a:r>
+            <a:r>
+              <a:rPr lang="en-US" altLang="zh-CN" sz="2800" dirty="0" smtClean="0"/>
+              <a:t>(</a:t>
+            </a:r>
+            <a:r>
+              <a:rPr lang="en-US" altLang="zh-CN" sz="2800" dirty="0" err="1" smtClean="0"/>
+              <a:t>int</a:t>
+            </a:r>
+            <a:r>
+              <a:rPr lang="en-US" altLang="zh-CN" sz="2800" dirty="0" smtClean="0"/>
+              <a:t> </a:t>
+            </a:r>
+            <a:r>
+              <a:rPr lang="en-US" altLang="zh-CN" sz="2800" dirty="0" err="1"/>
+              <a:t>newPriority</a:t>
+            </a:r>
+            <a:r>
+              <a:rPr lang="en-US" altLang="zh-CN" sz="2800" dirty="0"/>
+              <a:t>)</a:t>
+            </a:r>
+          </a:p>
+          <a:p>
+            <a:pPr lvl="2"/>
+            <a:r>
+              <a:rPr lang="en-US" altLang="zh-CN" sz="2000" dirty="0"/>
+              <a:t>MIN_PRIORITY|NORM_PRIORITY|MAX_PRIORITY</a:t>
+            </a:r>
+            <a:endParaRPr lang="zh-CN" altLang="en-US" sz="2000" dirty="0"/>
+          </a:p>
+          <a:p>
+            <a:endParaRPr lang="zh-CN" altLang="en-US" dirty="0"/>
+          </a:p>
+        </p:txBody>
+      </p:sp>
+    </p:spTree>
+    <p:extLst>
+      <p:ext uri="{BB962C8B-B14F-4D97-AF65-F5344CB8AC3E}">
+        <p14:creationId xmlns:p14="http://schemas.microsoft.com/office/powerpoint/2010/main" val="2688762562"/>
+      </p:ext>
+    </p:extLst>
+  </p:cSld>
+  <p:clrMapOvr>
+    <a:masterClrMapping/>
+  </p:clrMapOvr>
+</p:sld>
+</file>
+
 <file path=ppt/slides/slide15.xml><?xml version="1.0" encoding="utf-8"?>
 <p:sld xmlns:a="http://schemas.openxmlformats.org/drawingml/2006/main" xmlns:r="http://schemas.openxmlformats.org/officeDocument/2006/relationships" xmlns:p="http://schemas.openxmlformats.org/presentationml/2006/main">
   <p:cSld>
@@ -41175,10 +40706,115 @@
           <a:chExt cx="0" cy="0"/>
         </a:xfrm>
       </p:grpSpPr>
+      <p:sp>
+        <p:nvSpPr>
+          <p:cNvPr id="2" name="标题 1"/>
+          <p:cNvSpPr>
+            <a:spLocks noGrp="1"/>
+          </p:cNvSpPr>
+          <p:nvPr>
+            <p:ph type="title"/>
+          </p:nvPr>
+        </p:nvSpPr>
+        <p:spPr/>
+        <p:txBody>
+          <a:bodyPr>
+            <a:normAutofit fontScale="90000"/>
+          </a:bodyPr>
+          <a:lstStyle/>
+          <a:p>
+            <a:r>
+              <a:rPr lang="zh-CN" altLang="en-US" dirty="0"/>
+              <a:t>线程组</a:t>
+            </a:r>
+          </a:p>
+        </p:txBody>
+      </p:sp>
+      <p:sp>
+        <p:nvSpPr>
+          <p:cNvPr id="3" name="内容占位符 2"/>
+          <p:cNvSpPr>
+            <a:spLocks noGrp="1"/>
+          </p:cNvSpPr>
+          <p:nvPr>
+            <p:ph idx="1"/>
+          </p:nvPr>
+        </p:nvSpPr>
+        <p:spPr/>
+        <p:txBody>
+          <a:bodyPr/>
+          <a:lstStyle/>
+          <a:p>
+            <a:r>
+              <a:rPr lang="en-US" altLang="zh-CN" dirty="0" err="1"/>
+              <a:t>ThreadGroup</a:t>
+            </a:r>
+            <a:r>
+              <a:rPr lang="en-US" altLang="zh-CN" dirty="0"/>
+              <a:t>(String name)</a:t>
+            </a:r>
+          </a:p>
+          <a:p>
+            <a:r>
+              <a:rPr lang="en-US" altLang="zh-CN" dirty="0" err="1"/>
+              <a:t>ThreadGroup</a:t>
+            </a:r>
+            <a:r>
+              <a:rPr lang="en-US" altLang="zh-CN" dirty="0"/>
+              <a:t>(</a:t>
+            </a:r>
+            <a:r>
+              <a:rPr lang="en-US" altLang="zh-CN" dirty="0" err="1"/>
+              <a:t>ThreadGroup</a:t>
+            </a:r>
+            <a:r>
+              <a:rPr lang="en-US" altLang="zh-CN" dirty="0"/>
+              <a:t> parent, String name)</a:t>
+            </a:r>
+          </a:p>
+          <a:p>
+            <a:endParaRPr lang="en-US" altLang="zh-CN" dirty="0"/>
+          </a:p>
+          <a:p>
+            <a:r>
+              <a:rPr lang="en-US" altLang="zh-CN" dirty="0"/>
+              <a:t>Thread(</a:t>
+            </a:r>
+            <a:r>
+              <a:rPr lang="en-US" altLang="zh-CN" dirty="0" err="1"/>
+              <a:t>ThreadGroup</a:t>
+            </a:r>
+            <a:r>
+              <a:rPr lang="en-US" altLang="zh-CN" dirty="0"/>
+              <a:t> group, Runnable target)</a:t>
+            </a:r>
+          </a:p>
+          <a:p>
+            <a:r>
+              <a:rPr lang="en-US" altLang="zh-CN" dirty="0"/>
+              <a:t>Thread(</a:t>
+            </a:r>
+            <a:r>
+              <a:rPr lang="en-US" altLang="zh-CN" dirty="0" err="1"/>
+              <a:t>ThreadGroup</a:t>
+            </a:r>
+            <a:r>
+              <a:rPr lang="en-US" altLang="zh-CN" dirty="0"/>
+              <a:t> group, Runnable target, String name)</a:t>
+            </a:r>
+          </a:p>
+          <a:p>
+            <a:endParaRPr lang="zh-CN" altLang="en-US" dirty="0"/>
+          </a:p>
+          <a:p>
+            <a:endParaRPr lang="zh-CN" altLang="en-US" dirty="0"/>
+          </a:p>
+        </p:txBody>
+      </p:sp>
     </p:spTree>
     <p:extLst>
       <p:ext uri="{BB962C8B-B14F-4D97-AF65-F5344CB8AC3E}">
-        <p14:creationId xmlns:p14="http://schemas.microsoft.com/office/powerpoint/2010/main" val="3418871224"/>
+        <p14:creationId xmlns:p14="http://schemas.microsoft.com/office/powerpoint/2010/main" val="4272021337"/>
       </p:ext>
     </p:extLst>
   </p:cSld>
@@ -41192,6 +40828,628 @@
       </p:par>
     </p:tnLst>
   </p:timing>
+</p:sld>
+</file>
+
+<file path=ppt/slides/slide16.xml><?xml version="1.0" encoding="utf-8"?>
+<p:sld xmlns:a="http://schemas.openxmlformats.org/drawingml/2006/main" xmlns:r="http://schemas.openxmlformats.org/officeDocument/2006/relationships" xmlns:p="http://schemas.openxmlformats.org/presentationml/2006/main">
+  <p:cSld>
+    <p:spTree>
+      <p:nvGrpSpPr>
+        <p:cNvPr id="1" name=""/>
+        <p:cNvGrpSpPr/>
+        <p:nvPr/>
+      </p:nvGrpSpPr>
+      <p:grpSpPr>
+        <a:xfrm>
+          <a:off x="0" y="0"/>
+          <a:ext cx="0" cy="0"/>
+          <a:chOff x="0" y="0"/>
+          <a:chExt cx="0" cy="0"/>
+        </a:xfrm>
+      </p:grpSpPr>
+      <p:sp>
+        <p:nvSpPr>
+          <p:cNvPr id="2" name="标题 1"/>
+          <p:cNvSpPr>
+            <a:spLocks noGrp="1"/>
+          </p:cNvSpPr>
+          <p:nvPr>
+            <p:ph type="title"/>
+          </p:nvPr>
+        </p:nvSpPr>
+        <p:spPr/>
+        <p:txBody>
+          <a:bodyPr>
+            <a:normAutofit fontScale="90000"/>
+          </a:bodyPr>
+          <a:lstStyle/>
+          <a:p>
+            <a:r>
+              <a:rPr lang="zh-CN" altLang="en-US" dirty="0"/>
+              <a:t>线程池</a:t>
+            </a:r>
+          </a:p>
+        </p:txBody>
+      </p:sp>
+      <p:sp>
+        <p:nvSpPr>
+          <p:cNvPr id="3" name="内容占位符 2"/>
+          <p:cNvSpPr>
+            <a:spLocks noGrp="1"/>
+          </p:cNvSpPr>
+          <p:nvPr>
+            <p:ph idx="1"/>
+          </p:nvPr>
+        </p:nvSpPr>
+        <p:spPr>
+          <a:xfrm>
+            <a:off x="457200" y="836712"/>
+            <a:ext cx="8229600" cy="5289451"/>
+          </a:xfrm>
+        </p:spPr>
+        <p:txBody>
+          <a:bodyPr/>
+          <a:lstStyle/>
+          <a:p>
+            <a:r>
+              <a:rPr lang="zh-CN" altLang="en-US" dirty="0"/>
+              <a:t>一组等待处理执行任务的工作线程</a:t>
+            </a:r>
+            <a:endParaRPr lang="en-US" altLang="zh-CN" dirty="0"/>
+          </a:p>
+          <a:p>
+            <a:r>
+              <a:rPr lang="en-US" altLang="zh-CN" dirty="0" err="1"/>
+              <a:t>ThreadPoolExecutor</a:t>
+            </a:r>
+            <a:endParaRPr lang="en-US" altLang="zh-CN" dirty="0"/>
+          </a:p>
+          <a:p>
+            <a:r>
+              <a:rPr lang="en-US" altLang="zh-CN" dirty="0" err="1"/>
+              <a:t>ScheduledThreadPoolExecutor</a:t>
+            </a:r>
+            <a:endParaRPr lang="en-US" altLang="zh-CN" dirty="0"/>
+          </a:p>
+          <a:p>
+            <a:r>
+              <a:rPr lang="en-US" altLang="zh-CN" dirty="0" err="1" smtClean="0"/>
+              <a:t>ForkJoinPool</a:t>
+            </a:r>
+            <a:endParaRPr lang="en-US" altLang="zh-CN" dirty="0"/>
+          </a:p>
+          <a:p>
+            <a:endParaRPr lang="zh-CN" altLang="en-US" dirty="0"/>
+          </a:p>
+        </p:txBody>
+      </p:sp>
+      <p:pic>
+        <p:nvPicPr>
+          <p:cNvPr id="4" name="Picture 4"/>
+          <p:cNvPicPr>
+            <a:picLocks noChangeAspect="1" noChangeArrowheads="1"/>
+          </p:cNvPicPr>
+          <p:nvPr/>
+        </p:nvPicPr>
+        <p:blipFill>
+          <a:blip r:embed="rId2">
+            <a:extLst>
+              <a:ext uri="{28A0092B-C50C-407E-A947-70E740481C1C}">
+                <a14:useLocalDpi xmlns:a14="http://schemas.microsoft.com/office/drawing/2010/main" val="0"/>
+              </a:ext>
+            </a:extLst>
+          </a:blip>
+          <a:srcRect/>
+          <a:stretch>
+            <a:fillRect/>
+          </a:stretch>
+        </p:blipFill>
+        <p:spPr bwMode="auto">
+          <a:xfrm>
+            <a:off x="5364088" y="2564904"/>
+            <a:ext cx="3632880" cy="3816424"/>
+          </a:xfrm>
+          <a:prstGeom prst="rect">
+            <a:avLst/>
+          </a:prstGeom>
+          <a:noFill/>
+          <a:ln>
+            <a:noFill/>
+          </a:ln>
+          <a:extLst>
+            <a:ext uri="{909E8E84-426E-40DD-AFC4-6F175D3DCCD1}">
+              <a14:hiddenFill xmlns:a14="http://schemas.microsoft.com/office/drawing/2010/main">
+                <a:solidFill>
+                  <a:srgbClr val="FFFFFF"/>
+                </a:solidFill>
+              </a14:hiddenFill>
+            </a:ext>
+            <a:ext uri="{91240B29-F687-4F45-9708-019B960494DF}">
+              <a14:hiddenLine xmlns:a14="http://schemas.microsoft.com/office/drawing/2010/main" w="9525" algn="ctr">
+                <a:solidFill>
+                  <a:srgbClr val="000000"/>
+                </a:solidFill>
+                <a:miter lim="800000"/>
+                <a:headEnd/>
+                <a:tailEnd/>
+              </a14:hiddenLine>
+            </a:ext>
+          </a:extLst>
+        </p:spPr>
+      </p:pic>
+    </p:spTree>
+    <p:extLst>
+      <p:ext uri="{BB962C8B-B14F-4D97-AF65-F5344CB8AC3E}">
+        <p14:creationId xmlns:p14="http://schemas.microsoft.com/office/powerpoint/2010/main" val="3710199335"/>
+      </p:ext>
+    </p:extLst>
+  </p:cSld>
+  <p:clrMapOvr>
+    <a:masterClrMapping/>
+  </p:clrMapOvr>
+  <p:timing>
+    <p:tnLst>
+      <p:par>
+        <p:cTn id="1" dur="indefinite" restart="never" nodeType="tmRoot"/>
+      </p:par>
+    </p:tnLst>
+  </p:timing>
+</p:sld>
+</file>
+
+<file path=ppt/slides/slide17.xml><?xml version="1.0" encoding="utf-8"?>
+<p:sld xmlns:a="http://schemas.openxmlformats.org/drawingml/2006/main" xmlns:r="http://schemas.openxmlformats.org/officeDocument/2006/relationships" xmlns:p="http://schemas.openxmlformats.org/presentationml/2006/main">
+  <p:cSld>
+    <p:spTree>
+      <p:nvGrpSpPr>
+        <p:cNvPr id="1" name=""/>
+        <p:cNvGrpSpPr/>
+        <p:nvPr/>
+      </p:nvGrpSpPr>
+      <p:grpSpPr>
+        <a:xfrm>
+          <a:off x="0" y="0"/>
+          <a:ext cx="0" cy="0"/>
+          <a:chOff x="0" y="0"/>
+          <a:chExt cx="0" cy="0"/>
+        </a:xfrm>
+      </p:grpSpPr>
+      <p:sp>
+        <p:nvSpPr>
+          <p:cNvPr id="2" name="标题 1"/>
+          <p:cNvSpPr>
+            <a:spLocks noGrp="1"/>
+          </p:cNvSpPr>
+          <p:nvPr>
+            <p:ph type="title"/>
+          </p:nvPr>
+        </p:nvSpPr>
+        <p:spPr/>
+        <p:txBody>
+          <a:bodyPr>
+            <a:normAutofit fontScale="90000"/>
+          </a:bodyPr>
+          <a:lstStyle/>
+          <a:p>
+            <a:r>
+              <a:rPr lang="en-US" altLang="zh-CN" dirty="0"/>
+              <a:t>Executors</a:t>
+            </a:r>
+            <a:r>
+              <a:rPr lang="zh-CN" altLang="en-US" dirty="0"/>
+              <a:t>类</a:t>
+            </a:r>
+          </a:p>
+        </p:txBody>
+      </p:sp>
+      <p:sp>
+        <p:nvSpPr>
+          <p:cNvPr id="3" name="内容占位符 2"/>
+          <p:cNvSpPr>
+            <a:spLocks noGrp="1"/>
+          </p:cNvSpPr>
+          <p:nvPr>
+            <p:ph idx="1"/>
+          </p:nvPr>
+        </p:nvSpPr>
+        <p:spPr/>
+        <p:txBody>
+          <a:bodyPr/>
+          <a:lstStyle/>
+          <a:p>
+            <a:r>
+              <a:rPr lang="en-US" altLang="zh-CN" sz="2400" dirty="0"/>
+              <a:t>static </a:t>
+            </a:r>
+            <a:r>
+              <a:rPr lang="en-US" altLang="zh-CN" sz="2400" dirty="0" err="1"/>
+              <a:t>ExecutorService</a:t>
+            </a:r>
+            <a:r>
+              <a:rPr lang="en-US" altLang="zh-CN" sz="2400" dirty="0"/>
+              <a:t> </a:t>
+            </a:r>
+            <a:r>
+              <a:rPr lang="en-US" altLang="zh-CN" sz="2400" dirty="0" err="1"/>
+              <a:t>newCachedThreadPool</a:t>
+            </a:r>
+            <a:r>
+              <a:rPr lang="en-US" altLang="zh-CN" sz="2400" dirty="0"/>
+              <a:t>()</a:t>
+            </a:r>
+          </a:p>
+          <a:p>
+            <a:r>
+              <a:rPr lang="en-US" altLang="zh-CN" sz="2400" dirty="0"/>
+              <a:t>static </a:t>
+            </a:r>
+            <a:r>
+              <a:rPr lang="en-US" altLang="zh-CN" sz="2400" dirty="0" err="1"/>
+              <a:t>ExecutorService</a:t>
+            </a:r>
+            <a:r>
+              <a:rPr lang="en-US" altLang="zh-CN" sz="2400" dirty="0"/>
+              <a:t> </a:t>
+            </a:r>
+            <a:r>
+              <a:rPr lang="en-US" altLang="zh-CN" sz="2400" dirty="0" err="1"/>
+              <a:t>newFixedThreadPool</a:t>
+            </a:r>
+            <a:r>
+              <a:rPr lang="en-US" altLang="zh-CN" sz="2400" dirty="0"/>
+              <a:t>(</a:t>
+            </a:r>
+            <a:r>
+              <a:rPr lang="en-US" altLang="zh-CN" sz="2400" dirty="0" err="1"/>
+              <a:t>int</a:t>
+            </a:r>
+            <a:r>
+              <a:rPr lang="en-US" altLang="zh-CN" sz="2400" dirty="0"/>
+              <a:t> </a:t>
+            </a:r>
+            <a:r>
+              <a:rPr lang="en-US" altLang="zh-CN" sz="2400" dirty="0" err="1"/>
+              <a:t>nThreads</a:t>
+            </a:r>
+            <a:r>
+              <a:rPr lang="en-US" altLang="zh-CN" sz="2400" dirty="0"/>
+              <a:t>)</a:t>
+            </a:r>
+          </a:p>
+          <a:p>
+            <a:r>
+              <a:rPr lang="en-US" altLang="zh-CN" sz="2400" dirty="0"/>
+              <a:t>static </a:t>
+            </a:r>
+            <a:r>
+              <a:rPr lang="en-US" altLang="zh-CN" sz="2400" dirty="0" err="1"/>
+              <a:t>ScheduledExecutorService</a:t>
+            </a:r>
+            <a:r>
+              <a:rPr lang="en-US" altLang="zh-CN" sz="2400" dirty="0"/>
+              <a:t> </a:t>
+            </a:r>
+            <a:r>
+              <a:rPr lang="en-US" altLang="zh-CN" sz="2400" dirty="0" err="1"/>
+              <a:t>newScheduledThreadPool</a:t>
+            </a:r>
+            <a:r>
+              <a:rPr lang="en-US" altLang="zh-CN" sz="2400" dirty="0"/>
+              <a:t>(</a:t>
+            </a:r>
+            <a:r>
+              <a:rPr lang="en-US" altLang="zh-CN" sz="2400" dirty="0" err="1"/>
+              <a:t>int</a:t>
+            </a:r>
+            <a:r>
+              <a:rPr lang="en-US" altLang="zh-CN" sz="2400" dirty="0"/>
+              <a:t> </a:t>
+            </a:r>
+            <a:r>
+              <a:rPr lang="en-US" altLang="zh-CN" sz="2400" dirty="0" err="1"/>
+              <a:t>corePoolSize</a:t>
+            </a:r>
+            <a:r>
+              <a:rPr lang="en-US" altLang="zh-CN" sz="2400" dirty="0"/>
+              <a:t>)</a:t>
+            </a:r>
+          </a:p>
+          <a:p>
+            <a:r>
+              <a:rPr lang="en-US" altLang="zh-CN" sz="2400" dirty="0"/>
+              <a:t>static </a:t>
+            </a:r>
+            <a:r>
+              <a:rPr lang="en-US" altLang="zh-CN" sz="2400" dirty="0" err="1"/>
+              <a:t>ScheduledExecutorService</a:t>
+            </a:r>
+            <a:r>
+              <a:rPr lang="en-US" altLang="zh-CN" sz="2400" dirty="0"/>
+              <a:t> </a:t>
+            </a:r>
+            <a:r>
+              <a:rPr lang="en-US" altLang="zh-CN" sz="2400" dirty="0" err="1"/>
+              <a:t>newSingleThreadScheduledExecutor</a:t>
+            </a:r>
+            <a:r>
+              <a:rPr lang="en-US" altLang="zh-CN" sz="2400" dirty="0"/>
+              <a:t>()</a:t>
+            </a:r>
+          </a:p>
+          <a:p>
+            <a:endParaRPr lang="zh-CN" altLang="en-US" dirty="0"/>
+          </a:p>
+        </p:txBody>
+      </p:sp>
+    </p:spTree>
+    <p:extLst>
+      <p:ext uri="{BB962C8B-B14F-4D97-AF65-F5344CB8AC3E}">
+        <p14:creationId xmlns:p14="http://schemas.microsoft.com/office/powerpoint/2010/main" val="1232264023"/>
+      </p:ext>
+    </p:extLst>
+  </p:cSld>
+  <p:clrMapOvr>
+    <a:masterClrMapping/>
+  </p:clrMapOvr>
+</p:sld>
+</file>
+
+<file path=ppt/slides/slide18.xml><?xml version="1.0" encoding="utf-8"?>
+<p:sld xmlns:a="http://schemas.openxmlformats.org/drawingml/2006/main" xmlns:r="http://schemas.openxmlformats.org/officeDocument/2006/relationships" xmlns:p="http://schemas.openxmlformats.org/presentationml/2006/main">
+  <p:cSld>
+    <p:spTree>
+      <p:nvGrpSpPr>
+        <p:cNvPr id="1" name=""/>
+        <p:cNvGrpSpPr/>
+        <p:nvPr/>
+      </p:nvGrpSpPr>
+      <p:grpSpPr>
+        <a:xfrm>
+          <a:off x="0" y="0"/>
+          <a:ext cx="0" cy="0"/>
+          <a:chOff x="0" y="0"/>
+          <a:chExt cx="0" cy="0"/>
+        </a:xfrm>
+      </p:grpSpPr>
+      <p:sp>
+        <p:nvSpPr>
+          <p:cNvPr id="2" name="标题 1"/>
+          <p:cNvSpPr>
+            <a:spLocks noGrp="1"/>
+          </p:cNvSpPr>
+          <p:nvPr>
+            <p:ph type="title"/>
+          </p:nvPr>
+        </p:nvSpPr>
+        <p:spPr/>
+        <p:txBody>
+          <a:bodyPr>
+            <a:normAutofit fontScale="90000"/>
+          </a:bodyPr>
+          <a:lstStyle/>
+          <a:p>
+            <a:r>
+              <a:rPr lang="en-US" altLang="zh-CN" dirty="0" err="1"/>
+              <a:t>ExecutorService</a:t>
+            </a:r>
+            <a:r>
+              <a:rPr lang="zh-CN" altLang="en-US" dirty="0"/>
+              <a:t>用法 </a:t>
+            </a:r>
+          </a:p>
+        </p:txBody>
+      </p:sp>
+      <p:sp>
+        <p:nvSpPr>
+          <p:cNvPr id="3" name="内容占位符 2"/>
+          <p:cNvSpPr>
+            <a:spLocks noGrp="1"/>
+          </p:cNvSpPr>
+          <p:nvPr>
+            <p:ph idx="1"/>
+          </p:nvPr>
+        </p:nvSpPr>
+        <p:spPr/>
+        <p:txBody>
+          <a:bodyPr/>
+          <a:lstStyle/>
+          <a:p>
+            <a:r>
+              <a:rPr lang="zh-CN" altLang="en-US" sz="2400" dirty="0"/>
+              <a:t>提交任务</a:t>
+            </a:r>
+            <a:endParaRPr lang="en-US" altLang="zh-CN" sz="2400" dirty="0"/>
+          </a:p>
+          <a:p>
+            <a:pPr lvl="1"/>
+            <a:r>
+              <a:rPr lang="en-US" altLang="zh-CN" sz="2000" dirty="0"/>
+              <a:t>Future&lt;?&gt; submit(Runnable task) </a:t>
+            </a:r>
+          </a:p>
+          <a:p>
+            <a:pPr lvl="1"/>
+            <a:r>
+              <a:rPr lang="en-US" altLang="zh-CN" sz="2000" dirty="0"/>
+              <a:t>&lt;T&gt; Future&lt;T&gt; submit(Callable&lt;T&gt; task)</a:t>
+            </a:r>
+            <a:endParaRPr lang="en-US" altLang="zh-CN" sz="3200" dirty="0"/>
+          </a:p>
+          <a:p>
+            <a:r>
+              <a:rPr lang="en-US" altLang="zh-CN" sz="2400" dirty="0"/>
+              <a:t>Future&lt;T&gt; </a:t>
+            </a:r>
+            <a:r>
+              <a:rPr lang="zh-CN" altLang="en-US" sz="2400" dirty="0"/>
+              <a:t>在需要时调用</a:t>
+            </a:r>
+            <a:r>
+              <a:rPr lang="en-US" altLang="zh-CN" sz="2400" dirty="0"/>
+              <a:t>get()</a:t>
+            </a:r>
+            <a:r>
+              <a:rPr lang="zh-CN" altLang="en-US" sz="2400" dirty="0"/>
+              <a:t>用于获取任务的执行结果</a:t>
+            </a:r>
+            <a:endParaRPr lang="en-US" altLang="zh-CN" sz="2000" dirty="0"/>
+          </a:p>
+          <a:p>
+            <a:endParaRPr lang="zh-CN" altLang="en-US" dirty="0"/>
+          </a:p>
+        </p:txBody>
+      </p:sp>
+    </p:spTree>
+    <p:extLst>
+      <p:ext uri="{BB962C8B-B14F-4D97-AF65-F5344CB8AC3E}">
+        <p14:creationId xmlns:p14="http://schemas.microsoft.com/office/powerpoint/2010/main" val="179484059"/>
+      </p:ext>
+    </p:extLst>
+  </p:cSld>
+  <p:clrMapOvr>
+    <a:masterClrMapping/>
+  </p:clrMapOvr>
+</p:sld>
+</file>
+
+<file path=ppt/slides/slide19.xml><?xml version="1.0" encoding="utf-8"?>
+<p:sld xmlns:a="http://schemas.openxmlformats.org/drawingml/2006/main" xmlns:r="http://schemas.openxmlformats.org/officeDocument/2006/relationships" xmlns:p="http://schemas.openxmlformats.org/presentationml/2006/main">
+  <p:cSld>
+    <p:spTree>
+      <p:nvGrpSpPr>
+        <p:cNvPr id="1" name=""/>
+        <p:cNvGrpSpPr/>
+        <p:nvPr/>
+      </p:nvGrpSpPr>
+      <p:grpSpPr>
+        <a:xfrm>
+          <a:off x="0" y="0"/>
+          <a:ext cx="0" cy="0"/>
+          <a:chOff x="0" y="0"/>
+          <a:chExt cx="0" cy="0"/>
+        </a:xfrm>
+      </p:grpSpPr>
+      <p:sp>
+        <p:nvSpPr>
+          <p:cNvPr id="2" name="标题 1"/>
+          <p:cNvSpPr>
+            <a:spLocks noGrp="1"/>
+          </p:cNvSpPr>
+          <p:nvPr>
+            <p:ph type="title"/>
+          </p:nvPr>
+        </p:nvSpPr>
+        <p:spPr/>
+        <p:txBody>
+          <a:bodyPr>
+            <a:normAutofit fontScale="90000"/>
+          </a:bodyPr>
+          <a:lstStyle/>
+          <a:p>
+            <a:r>
+              <a:rPr lang="en-US" altLang="zh-CN" dirty="0" err="1" smtClean="0"/>
+              <a:t>ScheduledExecutorService</a:t>
+            </a:r>
+            <a:r>
+              <a:rPr lang="zh-CN" altLang="en-US" dirty="0" smtClean="0"/>
+              <a:t>用法</a:t>
+            </a:r>
+            <a:endParaRPr lang="zh-CN" altLang="en-US" dirty="0"/>
+          </a:p>
+        </p:txBody>
+      </p:sp>
+      <p:sp>
+        <p:nvSpPr>
+          <p:cNvPr id="3" name="内容占位符 2"/>
+          <p:cNvSpPr>
+            <a:spLocks noGrp="1"/>
+          </p:cNvSpPr>
+          <p:nvPr>
+            <p:ph idx="1"/>
+          </p:nvPr>
+        </p:nvSpPr>
+        <p:spPr/>
+        <p:txBody>
+          <a:bodyPr/>
+          <a:lstStyle/>
+          <a:p>
+            <a:r>
+              <a:rPr lang="zh-CN" altLang="en-US" sz="2400" dirty="0"/>
+              <a:t>延迟或周期地执行任务</a:t>
+            </a:r>
+            <a:endParaRPr lang="en-US" altLang="zh-CN" sz="2400" dirty="0"/>
+          </a:p>
+          <a:p>
+            <a:pPr lvl="2"/>
+            <a:r>
+              <a:rPr lang="en-US" altLang="zh-CN" sz="2000" dirty="0" err="1"/>
+              <a:t>ScheduledFuture</a:t>
+            </a:r>
+            <a:r>
+              <a:rPr lang="en-US" altLang="zh-CN" sz="2000" dirty="0"/>
+              <a:t>&lt;?&gt; schedule(Runnable command, long delay, </a:t>
+            </a:r>
+            <a:r>
+              <a:rPr lang="en-US" altLang="zh-CN" sz="2000" dirty="0" err="1"/>
+              <a:t>TimeUnit</a:t>
+            </a:r>
+            <a:r>
+              <a:rPr lang="en-US" altLang="zh-CN" sz="2000" dirty="0"/>
+              <a:t> unit)</a:t>
+            </a:r>
+          </a:p>
+          <a:p>
+            <a:pPr lvl="2"/>
+            <a:r>
+              <a:rPr lang="en-US" altLang="zh-CN" sz="2000" dirty="0" err="1"/>
+              <a:t>ScheduledFuture</a:t>
+            </a:r>
+            <a:r>
+              <a:rPr lang="en-US" altLang="zh-CN" sz="2000" dirty="0"/>
+              <a:t>&lt;?&gt; </a:t>
+            </a:r>
+            <a:r>
+              <a:rPr lang="en-US" altLang="zh-CN" sz="2000" dirty="0" err="1"/>
+              <a:t>scheduleAtFixedRate</a:t>
+            </a:r>
+            <a:r>
+              <a:rPr lang="en-US" altLang="zh-CN" sz="2000" dirty="0"/>
+              <a:t>(Runnable command, long </a:t>
+            </a:r>
+            <a:r>
+              <a:rPr lang="en-US" altLang="zh-CN" sz="2000" dirty="0" err="1"/>
+              <a:t>initialDelay</a:t>
+            </a:r>
+            <a:r>
+              <a:rPr lang="en-US" altLang="zh-CN" sz="2000" dirty="0"/>
+              <a:t>, long period, </a:t>
+            </a:r>
+            <a:r>
+              <a:rPr lang="en-US" altLang="zh-CN" sz="2000" dirty="0" err="1"/>
+              <a:t>TimeUnit</a:t>
+            </a:r>
+            <a:r>
+              <a:rPr lang="en-US" altLang="zh-CN" sz="2000" dirty="0"/>
+              <a:t> unit)</a:t>
+            </a:r>
+            <a:endParaRPr lang="zh-CN" altLang="en-US" sz="2000" dirty="0"/>
+          </a:p>
+          <a:p>
+            <a:endParaRPr lang="zh-CN" altLang="en-US" dirty="0"/>
+          </a:p>
+        </p:txBody>
+      </p:sp>
+    </p:spTree>
+    <p:extLst>
+      <p:ext uri="{BB962C8B-B14F-4D97-AF65-F5344CB8AC3E}">
+        <p14:creationId xmlns:p14="http://schemas.microsoft.com/office/powerpoint/2010/main" val="3543524191"/>
+      </p:ext>
+    </p:extLst>
+  </p:cSld>
+  <p:clrMapOvr>
+    <a:masterClrMapping/>
+  </p:clrMapOvr>
 </p:sld>
 </file>
 
@@ -41347,6 +41605,665 @@
     <p:extLst>
       <p:ext uri="{BB962C8B-B14F-4D97-AF65-F5344CB8AC3E}">
         <p14:creationId xmlns:p14="http://schemas.microsoft.com/office/powerpoint/2010/main" val="501501954"/>
+      </p:ext>
+    </p:extLst>
+  </p:cSld>
+  <p:clrMapOvr>
+    <a:masterClrMapping/>
+  </p:clrMapOvr>
+  <p:timing>
+    <p:tnLst>
+      <p:par>
+        <p:cTn id="1" dur="indefinite" restart="never" nodeType="tmRoot"/>
+      </p:par>
+    </p:tnLst>
+  </p:timing>
+</p:sld>
+</file>
+
+<file path=ppt/slides/slide20.xml><?xml version="1.0" encoding="utf-8"?>
+<p:sld xmlns:a="http://schemas.openxmlformats.org/drawingml/2006/main" xmlns:r="http://schemas.openxmlformats.org/officeDocument/2006/relationships" xmlns:p="http://schemas.openxmlformats.org/presentationml/2006/main">
+  <p:cSld>
+    <p:spTree>
+      <p:nvGrpSpPr>
+        <p:cNvPr id="1" name=""/>
+        <p:cNvGrpSpPr/>
+        <p:nvPr/>
+      </p:nvGrpSpPr>
+      <p:grpSpPr>
+        <a:xfrm>
+          <a:off x="0" y="0"/>
+          <a:ext cx="0" cy="0"/>
+          <a:chOff x="0" y="0"/>
+          <a:chExt cx="0" cy="0"/>
+        </a:xfrm>
+      </p:grpSpPr>
+      <p:sp>
+        <p:nvSpPr>
+          <p:cNvPr id="2" name="标题 1"/>
+          <p:cNvSpPr>
+            <a:spLocks noGrp="1"/>
+          </p:cNvSpPr>
+          <p:nvPr>
+            <p:ph type="title"/>
+          </p:nvPr>
+        </p:nvSpPr>
+        <p:spPr/>
+        <p:txBody>
+          <a:bodyPr>
+            <a:normAutofit fontScale="90000"/>
+          </a:bodyPr>
+          <a:lstStyle/>
+          <a:p>
+            <a:r>
+              <a:rPr lang="en-US" altLang="zh-CN" dirty="0" err="1"/>
+              <a:t>ForkJoinPool</a:t>
+            </a:r>
+            <a:endParaRPr lang="zh-CN" altLang="en-US" dirty="0"/>
+          </a:p>
+        </p:txBody>
+      </p:sp>
+      <p:pic>
+        <p:nvPicPr>
+          <p:cNvPr id="4" name="Picture 2"/>
+          <p:cNvPicPr>
+            <a:picLocks noGrp="1" noChangeAspect="1" noChangeArrowheads="1"/>
+          </p:cNvPicPr>
+          <p:nvPr>
+            <p:ph idx="1"/>
+          </p:nvPr>
+        </p:nvPicPr>
+        <p:blipFill>
+          <a:blip r:embed="rId2">
+            <a:extLst>
+              <a:ext uri="{28A0092B-C50C-407E-A947-70E740481C1C}">
+                <a14:useLocalDpi xmlns:a14="http://schemas.microsoft.com/office/drawing/2010/main" val="0"/>
+              </a:ext>
+            </a:extLst>
+          </a:blip>
+          <a:srcRect/>
+          <a:stretch>
+            <a:fillRect/>
+          </a:stretch>
+        </p:blipFill>
+        <p:spPr bwMode="auto">
+          <a:xfrm>
+            <a:off x="395536" y="1988840"/>
+            <a:ext cx="7930004" cy="3112436"/>
+          </a:xfrm>
+          <a:prstGeom prst="rect">
+            <a:avLst/>
+          </a:prstGeom>
+          <a:noFill/>
+          <a:ln>
+            <a:noFill/>
+          </a:ln>
+          <a:extLst>
+            <a:ext uri="{909E8E84-426E-40DD-AFC4-6F175D3DCCD1}">
+              <a14:hiddenFill xmlns:a14="http://schemas.microsoft.com/office/drawing/2010/main">
+                <a:solidFill>
+                  <a:srgbClr val="FFFFFF"/>
+                </a:solidFill>
+              </a14:hiddenFill>
+            </a:ext>
+            <a:ext uri="{91240B29-F687-4F45-9708-019B960494DF}">
+              <a14:hiddenLine xmlns:a14="http://schemas.microsoft.com/office/drawing/2010/main" w="9525" algn="ctr">
+                <a:solidFill>
+                  <a:srgbClr val="000000"/>
+                </a:solidFill>
+                <a:miter lim="800000"/>
+                <a:headEnd/>
+                <a:tailEnd/>
+              </a14:hiddenLine>
+            </a:ext>
+          </a:extLst>
+        </p:spPr>
+      </p:pic>
+    </p:spTree>
+    <p:extLst>
+      <p:ext uri="{BB962C8B-B14F-4D97-AF65-F5344CB8AC3E}">
+        <p14:creationId xmlns:p14="http://schemas.microsoft.com/office/powerpoint/2010/main" val="3902180330"/>
+      </p:ext>
+    </p:extLst>
+  </p:cSld>
+  <p:clrMapOvr>
+    <a:masterClrMapping/>
+  </p:clrMapOvr>
+</p:sld>
+</file>
+
+<file path=ppt/slides/slide21.xml><?xml version="1.0" encoding="utf-8"?>
+<p:sld xmlns:a="http://schemas.openxmlformats.org/drawingml/2006/main" xmlns:r="http://schemas.openxmlformats.org/officeDocument/2006/relationships" xmlns:p="http://schemas.openxmlformats.org/presentationml/2006/main">
+  <p:cSld>
+    <p:spTree>
+      <p:nvGrpSpPr>
+        <p:cNvPr id="1" name=""/>
+        <p:cNvGrpSpPr/>
+        <p:nvPr/>
+      </p:nvGrpSpPr>
+      <p:grpSpPr>
+        <a:xfrm>
+          <a:off x="0" y="0"/>
+          <a:ext cx="0" cy="0"/>
+          <a:chOff x="0" y="0"/>
+          <a:chExt cx="0" cy="0"/>
+        </a:xfrm>
+      </p:grpSpPr>
+      <p:sp>
+        <p:nvSpPr>
+          <p:cNvPr id="2" name="标题 1"/>
+          <p:cNvSpPr>
+            <a:spLocks noGrp="1"/>
+          </p:cNvSpPr>
+          <p:nvPr>
+            <p:ph type="title"/>
+          </p:nvPr>
+        </p:nvSpPr>
+        <p:spPr/>
+        <p:txBody>
+          <a:bodyPr>
+            <a:normAutofit fontScale="90000"/>
+          </a:bodyPr>
+          <a:lstStyle/>
+          <a:p>
+            <a:r>
+              <a:rPr lang="en-US" altLang="zh-CN" dirty="0"/>
+              <a:t>Atomic</a:t>
+            </a:r>
+            <a:r>
+              <a:rPr lang="zh-CN" altLang="en-US" dirty="0"/>
+              <a:t>类型</a:t>
+            </a:r>
+          </a:p>
+        </p:txBody>
+      </p:sp>
+      <p:sp>
+        <p:nvSpPr>
+          <p:cNvPr id="3" name="内容占位符 2"/>
+          <p:cNvSpPr>
+            <a:spLocks noGrp="1"/>
+          </p:cNvSpPr>
+          <p:nvPr>
+            <p:ph idx="1"/>
+          </p:nvPr>
+        </p:nvSpPr>
+        <p:spPr/>
+        <p:txBody>
+          <a:bodyPr>
+            <a:normAutofit lnSpcReduction="10000"/>
+          </a:bodyPr>
+          <a:lstStyle/>
+          <a:p>
+            <a:r>
+              <a:rPr lang="en-US" altLang="zh-CN" dirty="0" err="1"/>
+              <a:t>AtomicBoolean</a:t>
+            </a:r>
+            <a:endParaRPr lang="en-US" altLang="zh-CN" dirty="0"/>
+          </a:p>
+          <a:p>
+            <a:r>
+              <a:rPr lang="en-US" altLang="zh-CN" dirty="0" err="1"/>
+              <a:t>AtomicInteger</a:t>
+            </a:r>
+            <a:endParaRPr lang="en-US" altLang="zh-CN" dirty="0"/>
+          </a:p>
+          <a:p>
+            <a:r>
+              <a:rPr lang="en-US" altLang="zh-CN" dirty="0" err="1"/>
+              <a:t>AtomicLong</a:t>
+            </a:r>
+            <a:endParaRPr lang="en-US" altLang="zh-CN" dirty="0"/>
+          </a:p>
+          <a:p>
+            <a:r>
+              <a:rPr lang="en-US" altLang="zh-CN" dirty="0" err="1"/>
+              <a:t>AtomicReference</a:t>
+            </a:r>
+            <a:endParaRPr lang="en-US" altLang="zh-CN" dirty="0"/>
+          </a:p>
+          <a:p>
+            <a:r>
+              <a:rPr lang="en-US" altLang="zh-CN" dirty="0" err="1"/>
+              <a:t>AtomicStampedReference</a:t>
+            </a:r>
+            <a:endParaRPr lang="en-US" altLang="zh-CN" dirty="0"/>
+          </a:p>
+          <a:p>
+            <a:r>
+              <a:rPr lang="en-US" altLang="zh-CN" dirty="0" err="1"/>
+              <a:t>AtomicIntegerArray</a:t>
+            </a:r>
+            <a:endParaRPr lang="en-US" altLang="zh-CN" dirty="0"/>
+          </a:p>
+          <a:p>
+            <a:r>
+              <a:rPr lang="en-US" altLang="zh-CN" dirty="0" err="1"/>
+              <a:t>AtomicLongArray</a:t>
+            </a:r>
+            <a:endParaRPr lang="en-US" altLang="zh-CN" dirty="0"/>
+          </a:p>
+          <a:p>
+            <a:r>
+              <a:rPr lang="en-US" altLang="zh-CN" dirty="0" err="1"/>
+              <a:t>AtomicReferenceArray</a:t>
+            </a:r>
+            <a:endParaRPr lang="zh-CN" altLang="en-US" dirty="0"/>
+          </a:p>
+          <a:p>
+            <a:endParaRPr lang="zh-CN" altLang="en-US" dirty="0"/>
+          </a:p>
+        </p:txBody>
+      </p:sp>
+    </p:spTree>
+    <p:extLst>
+      <p:ext uri="{BB962C8B-B14F-4D97-AF65-F5344CB8AC3E}">
+        <p14:creationId xmlns:p14="http://schemas.microsoft.com/office/powerpoint/2010/main" val="2563365706"/>
+      </p:ext>
+    </p:extLst>
+  </p:cSld>
+  <p:clrMapOvr>
+    <a:masterClrMapping/>
+  </p:clrMapOvr>
+</p:sld>
+</file>
+
+<file path=ppt/slides/slide22.xml><?xml version="1.0" encoding="utf-8"?>
+<p:sld xmlns:a="http://schemas.openxmlformats.org/drawingml/2006/main" xmlns:r="http://schemas.openxmlformats.org/officeDocument/2006/relationships" xmlns:p="http://schemas.openxmlformats.org/presentationml/2006/main">
+  <p:cSld>
+    <p:spTree>
+      <p:nvGrpSpPr>
+        <p:cNvPr id="1" name=""/>
+        <p:cNvGrpSpPr/>
+        <p:nvPr/>
+      </p:nvGrpSpPr>
+      <p:grpSpPr>
+        <a:xfrm>
+          <a:off x="0" y="0"/>
+          <a:ext cx="0" cy="0"/>
+          <a:chOff x="0" y="0"/>
+          <a:chExt cx="0" cy="0"/>
+        </a:xfrm>
+      </p:grpSpPr>
+      <p:sp>
+        <p:nvSpPr>
+          <p:cNvPr id="2" name="标题 1"/>
+          <p:cNvSpPr>
+            <a:spLocks noGrp="1"/>
+          </p:cNvSpPr>
+          <p:nvPr>
+            <p:ph type="title"/>
+          </p:nvPr>
+        </p:nvSpPr>
+        <p:spPr/>
+        <p:txBody>
+          <a:bodyPr>
+            <a:normAutofit fontScale="90000"/>
+          </a:bodyPr>
+          <a:lstStyle/>
+          <a:p>
+            <a:r>
+              <a:rPr lang="zh-CN" altLang="en-US" dirty="0"/>
+              <a:t>线程安全的</a:t>
+            </a:r>
+            <a:r>
+              <a:rPr lang="en-US" altLang="zh-CN" dirty="0"/>
+              <a:t>Collection</a:t>
+            </a:r>
+            <a:r>
+              <a:rPr lang="zh-CN" altLang="en-US" dirty="0"/>
+              <a:t>类型</a:t>
+            </a:r>
+          </a:p>
+        </p:txBody>
+      </p:sp>
+      <p:sp>
+        <p:nvSpPr>
+          <p:cNvPr id="3" name="内容占位符 2"/>
+          <p:cNvSpPr>
+            <a:spLocks noGrp="1"/>
+          </p:cNvSpPr>
+          <p:nvPr>
+            <p:ph idx="1"/>
+          </p:nvPr>
+        </p:nvSpPr>
+        <p:spPr/>
+        <p:txBody>
+          <a:bodyPr>
+            <a:normAutofit fontScale="85000" lnSpcReduction="20000"/>
+          </a:bodyPr>
+          <a:lstStyle/>
+          <a:p>
+            <a:r>
+              <a:rPr lang="en-US" altLang="zh-CN" dirty="0" err="1"/>
+              <a:t>BlockingQueue</a:t>
+            </a:r>
+            <a:endParaRPr lang="en-US" altLang="zh-CN" dirty="0"/>
+          </a:p>
+          <a:p>
+            <a:r>
+              <a:rPr lang="en-US" altLang="zh-CN" dirty="0" err="1"/>
+              <a:t>ArrayBlockingQueue</a:t>
+            </a:r>
+            <a:endParaRPr lang="en-US" altLang="zh-CN" dirty="0"/>
+          </a:p>
+          <a:p>
+            <a:r>
+              <a:rPr lang="en-US" altLang="zh-CN" dirty="0" err="1"/>
+              <a:t>DelayQueue</a:t>
+            </a:r>
+            <a:endParaRPr lang="en-US" altLang="zh-CN" dirty="0"/>
+          </a:p>
+          <a:p>
+            <a:r>
+              <a:rPr lang="en-US" altLang="zh-CN" dirty="0" err="1"/>
+              <a:t>LinkedBlockingQueue</a:t>
+            </a:r>
+            <a:endParaRPr lang="en-US" altLang="zh-CN" dirty="0"/>
+          </a:p>
+          <a:p>
+            <a:r>
+              <a:rPr lang="en-US" altLang="zh-CN" dirty="0" err="1"/>
+              <a:t>PriorityBlockingQueue</a:t>
+            </a:r>
+            <a:endParaRPr lang="en-US" altLang="zh-CN" dirty="0"/>
+          </a:p>
+          <a:p>
+            <a:r>
+              <a:rPr lang="en-US" altLang="zh-CN" dirty="0" err="1"/>
+              <a:t>SynchronousQueue</a:t>
+            </a:r>
+            <a:endParaRPr lang="en-US" altLang="zh-CN" dirty="0"/>
+          </a:p>
+          <a:p>
+            <a:r>
+              <a:rPr lang="en-US" altLang="zh-CN" dirty="0" err="1"/>
+              <a:t>BlockingDeque</a:t>
+            </a:r>
+            <a:endParaRPr lang="en-US" altLang="zh-CN" dirty="0"/>
+          </a:p>
+          <a:p>
+            <a:r>
+              <a:rPr lang="en-US" altLang="zh-CN" dirty="0" err="1"/>
+              <a:t>LinkedBlockingDeque</a:t>
+            </a:r>
+            <a:endParaRPr lang="en-US" altLang="zh-CN" dirty="0"/>
+          </a:p>
+          <a:p>
+            <a:r>
+              <a:rPr lang="en-US" altLang="zh-CN" dirty="0" err="1"/>
+              <a:t>ConcurrentMap</a:t>
+            </a:r>
+            <a:endParaRPr lang="en-US" altLang="zh-CN" dirty="0"/>
+          </a:p>
+          <a:p>
+            <a:r>
+              <a:rPr lang="en-US" altLang="zh-CN" dirty="0" err="1"/>
+              <a:t>ConcurrentNavigableMap</a:t>
+            </a:r>
+            <a:endParaRPr lang="zh-CN" altLang="en-US" dirty="0"/>
+          </a:p>
+          <a:p>
+            <a:endParaRPr lang="zh-CN" altLang="en-US" dirty="0"/>
+          </a:p>
+        </p:txBody>
+      </p:sp>
+    </p:spTree>
+    <p:extLst>
+      <p:ext uri="{BB962C8B-B14F-4D97-AF65-F5344CB8AC3E}">
+        <p14:creationId xmlns:p14="http://schemas.microsoft.com/office/powerpoint/2010/main" val="1488261134"/>
+      </p:ext>
+    </p:extLst>
+  </p:cSld>
+  <p:clrMapOvr>
+    <a:masterClrMapping/>
+  </p:clrMapOvr>
+</p:sld>
+</file>
+
+<file path=ppt/slides/slide23.xml><?xml version="1.0" encoding="utf-8"?>
+<p:sld xmlns:a="http://schemas.openxmlformats.org/drawingml/2006/main" xmlns:r="http://schemas.openxmlformats.org/officeDocument/2006/relationships" xmlns:p="http://schemas.openxmlformats.org/presentationml/2006/main">
+  <p:cSld>
+    <p:spTree>
+      <p:nvGrpSpPr>
+        <p:cNvPr id="1" name=""/>
+        <p:cNvGrpSpPr/>
+        <p:nvPr/>
+      </p:nvGrpSpPr>
+      <p:grpSpPr>
+        <a:xfrm>
+          <a:off x="0" y="0"/>
+          <a:ext cx="0" cy="0"/>
+          <a:chOff x="0" y="0"/>
+          <a:chExt cx="0" cy="0"/>
+        </a:xfrm>
+      </p:grpSpPr>
+      <p:sp>
+        <p:nvSpPr>
+          <p:cNvPr id="2" name="标题 1"/>
+          <p:cNvSpPr>
+            <a:spLocks noGrp="1"/>
+          </p:cNvSpPr>
+          <p:nvPr>
+            <p:ph type="title"/>
+          </p:nvPr>
+        </p:nvSpPr>
+        <p:spPr/>
+        <p:txBody>
+          <a:bodyPr>
+            <a:normAutofit fontScale="90000"/>
+          </a:bodyPr>
+          <a:lstStyle/>
+          <a:p>
+            <a:r>
+              <a:rPr lang="zh-CN" altLang="en-US" dirty="0"/>
+              <a:t>线程池多大合适</a:t>
+            </a:r>
+          </a:p>
+        </p:txBody>
+      </p:sp>
+      <p:sp>
+        <p:nvSpPr>
+          <p:cNvPr id="3" name="内容占位符 2"/>
+          <p:cNvSpPr>
+            <a:spLocks noGrp="1"/>
+          </p:cNvSpPr>
+          <p:nvPr>
+            <p:ph idx="1"/>
+          </p:nvPr>
+        </p:nvSpPr>
+        <p:spPr/>
+        <p:txBody>
+          <a:bodyPr/>
+          <a:lstStyle/>
+          <a:p>
+            <a:r>
+              <a:rPr lang="zh-CN" altLang="en-US" dirty="0"/>
+              <a:t>计算任务</a:t>
+            </a:r>
+            <a:endParaRPr lang="en-US" altLang="zh-CN" dirty="0"/>
+          </a:p>
+          <a:p>
+            <a:pPr lvl="1"/>
+            <a:r>
+              <a:rPr lang="zh-CN" altLang="en-US" dirty="0"/>
+              <a:t>与</a:t>
+            </a:r>
+            <a:r>
+              <a:rPr lang="en-US" altLang="zh-CN" dirty="0"/>
+              <a:t>CPU</a:t>
+            </a:r>
+            <a:r>
+              <a:rPr lang="zh-CN" altLang="en-US" dirty="0"/>
+              <a:t>的核数相同</a:t>
+            </a:r>
+            <a:endParaRPr lang="en-US" altLang="zh-CN" dirty="0"/>
+          </a:p>
+          <a:p>
+            <a:r>
+              <a:rPr lang="en-US" altLang="zh-CN" dirty="0"/>
+              <a:t>I/O</a:t>
+            </a:r>
+            <a:r>
+              <a:rPr lang="zh-CN" altLang="en-US" dirty="0"/>
+              <a:t>频繁的任务</a:t>
+            </a:r>
+            <a:endParaRPr lang="en-US" altLang="zh-CN" dirty="0"/>
+          </a:p>
+          <a:p>
+            <a:pPr lvl="1"/>
+            <a:r>
+              <a:rPr lang="zh-CN" altLang="en-US" dirty="0"/>
+              <a:t>核数 </a:t>
+            </a:r>
+            <a:r>
+              <a:rPr lang="en-US" altLang="zh-CN" dirty="0"/>
+              <a:t>* (1 ~ 60)</a:t>
+            </a:r>
+          </a:p>
+          <a:p>
+            <a:endParaRPr lang="zh-CN" altLang="en-US" dirty="0"/>
+          </a:p>
+        </p:txBody>
+      </p:sp>
+    </p:spTree>
+    <p:extLst>
+      <p:ext uri="{BB962C8B-B14F-4D97-AF65-F5344CB8AC3E}">
+        <p14:creationId xmlns:p14="http://schemas.microsoft.com/office/powerpoint/2010/main" val="857395365"/>
+      </p:ext>
+    </p:extLst>
+  </p:cSld>
+  <p:clrMapOvr>
+    <a:masterClrMapping/>
+  </p:clrMapOvr>
+</p:sld>
+</file>
+
+<file path=ppt/slides/slide24.xml><?xml version="1.0" encoding="utf-8"?>
+<p:sld xmlns:a="http://schemas.openxmlformats.org/drawingml/2006/main" xmlns:r="http://schemas.openxmlformats.org/officeDocument/2006/relationships" xmlns:p="http://schemas.openxmlformats.org/presentationml/2006/main">
+  <p:cSld>
+    <p:spTree>
+      <p:nvGrpSpPr>
+        <p:cNvPr id="1" name=""/>
+        <p:cNvGrpSpPr/>
+        <p:nvPr/>
+      </p:nvGrpSpPr>
+      <p:grpSpPr>
+        <a:xfrm>
+          <a:off x="0" y="0"/>
+          <a:ext cx="0" cy="0"/>
+          <a:chOff x="0" y="0"/>
+          <a:chExt cx="0" cy="0"/>
+        </a:xfrm>
+      </p:grpSpPr>
+      <p:sp>
+        <p:nvSpPr>
+          <p:cNvPr id="2" name="标题 1"/>
+          <p:cNvSpPr>
+            <a:spLocks noGrp="1"/>
+          </p:cNvSpPr>
+          <p:nvPr>
+            <p:ph type="title"/>
+          </p:nvPr>
+        </p:nvSpPr>
+        <p:spPr/>
+        <p:txBody>
+          <a:bodyPr>
+            <a:normAutofit fontScale="90000"/>
+          </a:bodyPr>
+          <a:lstStyle/>
+          <a:p>
+            <a:r>
+              <a:rPr lang="zh-CN" altLang="en-US" dirty="0"/>
+              <a:t>多线程的问题</a:t>
+            </a:r>
+          </a:p>
+        </p:txBody>
+      </p:sp>
+      <p:sp>
+        <p:nvSpPr>
+          <p:cNvPr id="3" name="内容占位符 2"/>
+          <p:cNvSpPr>
+            <a:spLocks noGrp="1"/>
+          </p:cNvSpPr>
+          <p:nvPr>
+            <p:ph idx="1"/>
+          </p:nvPr>
+        </p:nvSpPr>
+        <p:spPr/>
+        <p:txBody>
+          <a:bodyPr/>
+          <a:lstStyle/>
+          <a:p>
+            <a:r>
+              <a:rPr lang="zh-CN" altLang="en-US" sz="2800" dirty="0"/>
+              <a:t>程序是不确定的</a:t>
+            </a:r>
+            <a:endParaRPr lang="en-US" altLang="zh-CN" sz="2800" dirty="0"/>
+          </a:p>
+          <a:p>
+            <a:r>
+              <a:rPr lang="zh-CN" altLang="en-US" sz="2800" dirty="0"/>
+              <a:t>死锁</a:t>
+            </a:r>
+            <a:endParaRPr lang="en-US" altLang="zh-CN" sz="2800" dirty="0"/>
+          </a:p>
+          <a:p>
+            <a:r>
+              <a:rPr lang="en-US" altLang="zh-CN" sz="2800" dirty="0"/>
+              <a:t>Lock</a:t>
+            </a:r>
+            <a:r>
+              <a:rPr lang="zh-CN" altLang="en-US" sz="2800" dirty="0"/>
+              <a:t>及执行性能</a:t>
+            </a:r>
+            <a:endParaRPr lang="en-US" altLang="zh-CN" sz="2800" dirty="0"/>
+          </a:p>
+          <a:p>
+            <a:pPr lvl="1"/>
+            <a:r>
+              <a:rPr lang="zh-CN" altLang="en-US" sz="2400" dirty="0"/>
+              <a:t>过多的线程导致程序性能急剧下降</a:t>
+            </a:r>
+          </a:p>
+          <a:p>
+            <a:endParaRPr lang="zh-CN" altLang="en-US" dirty="0"/>
+          </a:p>
+        </p:txBody>
+      </p:sp>
+    </p:spTree>
+    <p:extLst>
+      <p:ext uri="{BB962C8B-B14F-4D97-AF65-F5344CB8AC3E}">
+        <p14:creationId xmlns:p14="http://schemas.microsoft.com/office/powerpoint/2010/main" val="3670589018"/>
+      </p:ext>
+    </p:extLst>
+  </p:cSld>
+  <p:clrMapOvr>
+    <a:masterClrMapping/>
+  </p:clrMapOvr>
+</p:sld>
+</file>
+
+<file path=ppt/slides/slide25.xml><?xml version="1.0" encoding="utf-8"?>
+<p:sld xmlns:a="http://schemas.openxmlformats.org/drawingml/2006/main" xmlns:r="http://schemas.openxmlformats.org/officeDocument/2006/relationships" xmlns:p="http://schemas.openxmlformats.org/presentationml/2006/main">
+  <p:cSld>
+    <p:spTree>
+      <p:nvGrpSpPr>
+        <p:cNvPr id="1" name=""/>
+        <p:cNvGrpSpPr/>
+        <p:nvPr/>
+      </p:nvGrpSpPr>
+      <p:grpSpPr>
+        <a:xfrm>
+          <a:off x="0" y="0"/>
+          <a:ext cx="0" cy="0"/>
+          <a:chOff x="0" y="0"/>
+          <a:chExt cx="0" cy="0"/>
+        </a:xfrm>
+      </p:grpSpPr>
+    </p:spTree>
+    <p:extLst>
+      <p:ext uri="{BB962C8B-B14F-4D97-AF65-F5344CB8AC3E}">
+        <p14:creationId xmlns:p14="http://schemas.microsoft.com/office/powerpoint/2010/main" val="3418871224"/>
       </p:ext>
     </p:extLst>
   </p:cSld>
@@ -42143,14 +43060,9 @@
           <a:lstStyle/>
           <a:p>
             <a:r>
-              <a:rPr lang="en-US" altLang="zh-CN" dirty="0" smtClean="0"/>
-              <a:t>Java</a:t>
+              <a:rPr lang="zh-CN" altLang="en-US" dirty="0"/>
+              <a:t>结束一个线程</a:t>
             </a:r>
-            <a:r>
-              <a:rPr lang="zh-CN" altLang="en-US" dirty="0" smtClean="0"/>
-              <a:t>内存模型</a:t>
-            </a:r>
-            <a:endParaRPr lang="zh-CN" altLang="en-US" dirty="0"/>
           </a:p>
         </p:txBody>
       </p:sp>
@@ -42169,91 +43081,24 @@
           <a:bodyPr/>
           <a:lstStyle/>
           <a:p>
+            <a:r>
+              <a:rPr lang="en-US" altLang="zh-CN" dirty="0"/>
+              <a:t>Thread. interrupt()</a:t>
+            </a:r>
             <a:endParaRPr lang="zh-CN" altLang="en-US" dirty="0"/>
           </a:p>
         </p:txBody>
       </p:sp>
-      <p:pic>
-        <p:nvPicPr>
-          <p:cNvPr id="3074" name="Picture 2"/>
-          <p:cNvPicPr>
-            <a:picLocks noChangeAspect="1" noChangeArrowheads="1"/>
-          </p:cNvPicPr>
-          <p:nvPr/>
-        </p:nvPicPr>
-        <p:blipFill>
-          <a:blip r:embed="rId2">
-            <a:extLst>
-              <a:ext uri="{28A0092B-C50C-407E-A947-70E740481C1C}">
-                <a14:useLocalDpi xmlns:a14="http://schemas.microsoft.com/office/drawing/2010/main" val="0"/>
-              </a:ext>
-            </a:extLst>
-          </a:blip>
-          <a:srcRect/>
-          <a:stretch>
-            <a:fillRect/>
-          </a:stretch>
-        </p:blipFill>
-        <p:spPr bwMode="auto">
-          <a:xfrm>
-            <a:off x="1619672" y="980728"/>
-            <a:ext cx="6480720" cy="4896544"/>
-          </a:xfrm>
-          <a:prstGeom prst="rect">
-            <a:avLst/>
-          </a:prstGeom>
-          <a:noFill/>
-          <a:ln>
-            <a:noFill/>
-          </a:ln>
-          <a:effectLst/>
-          <a:extLst>
-            <a:ext uri="{909E8E84-426E-40DD-AFC4-6F175D3DCCD1}">
-              <a14:hiddenFill xmlns:a14="http://schemas.microsoft.com/office/drawing/2010/main">
-                <a:solidFill>
-                  <a:schemeClr val="accent1"/>
-                </a:solidFill>
-              </a14:hiddenFill>
-            </a:ext>
-            <a:ext uri="{91240B29-F687-4F45-9708-019B960494DF}">
-              <a14:hiddenLine xmlns:a14="http://schemas.microsoft.com/office/drawing/2010/main" w="9525">
-                <a:solidFill>
-                  <a:schemeClr val="tx1"/>
-                </a:solidFill>
-                <a:miter lim="800000"/>
-                <a:headEnd/>
-                <a:tailEnd/>
-              </a14:hiddenLine>
-            </a:ext>
-            <a:ext uri="{AF507438-7753-43E0-B8FC-AC1667EBCBE1}">
-              <a14:hiddenEffects xmlns:a14="http://schemas.microsoft.com/office/drawing/2010/main">
-                <a:effectLst>
-                  <a:outerShdw dist="35921" dir="2700000" algn="ctr" rotWithShape="0">
-                    <a:schemeClr val="bg2"/>
-                  </a:outerShdw>
-                </a:effectLst>
-              </a14:hiddenEffects>
-            </a:ext>
-          </a:extLst>
-        </p:spPr>
-      </p:pic>
     </p:spTree>
     <p:extLst>
       <p:ext uri="{BB962C8B-B14F-4D97-AF65-F5344CB8AC3E}">
-        <p14:creationId xmlns:p14="http://schemas.microsoft.com/office/powerpoint/2010/main" val="1693921352"/>
+        <p14:creationId xmlns:p14="http://schemas.microsoft.com/office/powerpoint/2010/main" val="2273297139"/>
       </p:ext>
     </p:extLst>
   </p:cSld>
   <p:clrMapOvr>
     <a:masterClrMapping/>
   </p:clrMapOvr>
-  <p:timing>
-    <p:tnLst>
-      <p:par>
-        <p:cTn id="1" dur="indefinite" restart="never" nodeType="tmRoot"/>
-      </p:par>
-    </p:tnLst>
-  </p:timing>
 </p:sld>
 </file>
 
@@ -42292,10 +43137,9 @@
           <a:lstStyle/>
           <a:p>
             <a:r>
-              <a:rPr lang="zh-CN" altLang="en-US" dirty="0" smtClean="0"/>
-              <a:t>硬件的内存体系结构</a:t>
+              <a:rPr lang="zh-CN" altLang="en-US" dirty="0"/>
+              <a:t>等待一个线程结束</a:t>
             </a:r>
-            <a:endParaRPr lang="zh-CN" altLang="en-US" dirty="0"/>
           </a:p>
         </p:txBody>
       </p:sp>
@@ -42314,91 +43158,28 @@
           <a:bodyPr/>
           <a:lstStyle/>
           <a:p>
-            <a:endParaRPr lang="zh-CN" altLang="en-US"/>
+            <a:r>
+              <a:rPr lang="en-US" altLang="zh-CN" dirty="0" err="1" smtClean="0"/>
+              <a:t>Thread.join</a:t>
+            </a:r>
+            <a:r>
+              <a:rPr lang="en-US" altLang="zh-CN" dirty="0" smtClean="0"/>
+              <a:t>()</a:t>
+            </a:r>
+            <a:endParaRPr lang="zh-CN" altLang="en-US" dirty="0"/>
           </a:p>
         </p:txBody>
       </p:sp>
-      <p:pic>
-        <p:nvPicPr>
-          <p:cNvPr id="4098" name="Picture 2"/>
-          <p:cNvPicPr>
-            <a:picLocks noChangeAspect="1" noChangeArrowheads="1"/>
-          </p:cNvPicPr>
-          <p:nvPr/>
-        </p:nvPicPr>
-        <p:blipFill>
-          <a:blip r:embed="rId2">
-            <a:extLst>
-              <a:ext uri="{28A0092B-C50C-407E-A947-70E740481C1C}">
-                <a14:useLocalDpi xmlns:a14="http://schemas.microsoft.com/office/drawing/2010/main" val="0"/>
-              </a:ext>
-            </a:extLst>
-          </a:blip>
-          <a:srcRect/>
-          <a:stretch>
-            <a:fillRect/>
-          </a:stretch>
-        </p:blipFill>
-        <p:spPr bwMode="auto">
-          <a:xfrm>
-            <a:off x="1691680" y="1093836"/>
-            <a:ext cx="5832648" cy="5072503"/>
-          </a:xfrm>
-          <a:prstGeom prst="rect">
-            <a:avLst/>
-          </a:prstGeom>
-          <a:noFill/>
-          <a:ln>
-            <a:noFill/>
-          </a:ln>
-          <a:effectLst/>
-          <a:extLst>
-            <a:ext uri="{909E8E84-426E-40DD-AFC4-6F175D3DCCD1}">
-              <a14:hiddenFill xmlns:a14="http://schemas.microsoft.com/office/drawing/2010/main">
-                <a:solidFill>
-                  <a:schemeClr val="accent1"/>
-                </a:solidFill>
-              </a14:hiddenFill>
-            </a:ext>
-            <a:ext uri="{91240B29-F687-4F45-9708-019B960494DF}">
-              <a14:hiddenLine xmlns:a14="http://schemas.microsoft.com/office/drawing/2010/main" w="9525">
-                <a:solidFill>
-                  <a:schemeClr val="tx1"/>
-                </a:solidFill>
-                <a:miter lim="800000"/>
-                <a:headEnd/>
-                <a:tailEnd/>
-              </a14:hiddenLine>
-            </a:ext>
-            <a:ext uri="{AF507438-7753-43E0-B8FC-AC1667EBCBE1}">
-              <a14:hiddenEffects xmlns:a14="http://schemas.microsoft.com/office/drawing/2010/main">
-                <a:effectLst>
-                  <a:outerShdw dist="35921" dir="2700000" algn="ctr" rotWithShape="0">
-                    <a:schemeClr val="bg2"/>
-                  </a:outerShdw>
-                </a:effectLst>
-              </a14:hiddenEffects>
-            </a:ext>
-          </a:extLst>
-        </p:spPr>
-      </p:pic>
     </p:spTree>
     <p:extLst>
       <p:ext uri="{BB962C8B-B14F-4D97-AF65-F5344CB8AC3E}">
-        <p14:creationId xmlns:p14="http://schemas.microsoft.com/office/powerpoint/2010/main" val="1428742670"/>
+        <p14:creationId xmlns:p14="http://schemas.microsoft.com/office/powerpoint/2010/main" val="3627869220"/>
       </p:ext>
     </p:extLst>
   </p:cSld>
   <p:clrMapOvr>
     <a:masterClrMapping/>
   </p:clrMapOvr>
-  <p:timing>
-    <p:tnLst>
-      <p:par>
-        <p:cTn id="1" dur="indefinite" restart="never" nodeType="tmRoot"/>
-      </p:par>
-    </p:tnLst>
-  </p:timing>
 </p:sld>
 </file>
 
@@ -42438,7 +43219,7 @@
           <a:p>
             <a:r>
               <a:rPr lang="zh-CN" altLang="en-US" dirty="0"/>
-              <a:t>两种模型的映射</a:t>
+              <a:t>线程同步：临界区互斥</a:t>
             </a:r>
           </a:p>
         </p:txBody>
@@ -42458,13 +43239,17 @@
           <a:bodyPr/>
           <a:lstStyle/>
           <a:p>
+            <a:r>
+              <a:rPr lang="zh-CN" altLang="en-US" dirty="0" smtClean="0"/>
+              <a:t>，</a:t>
+            </a:r>
             <a:endParaRPr lang="zh-CN" altLang="en-US" dirty="0"/>
           </a:p>
         </p:txBody>
       </p:sp>
       <p:pic>
         <p:nvPicPr>
-          <p:cNvPr id="6146" name="Picture 2"/>
+          <p:cNvPr id="4" name="Picture 6"/>
           <p:cNvPicPr>
             <a:picLocks noChangeAspect="1" noChangeArrowheads="1"/>
           </p:cNvPicPr>
@@ -42485,8 +43270,8 @@
         </p:blipFill>
         <p:spPr bwMode="auto">
           <a:xfrm>
-            <a:off x="155844" y="1628800"/>
-            <a:ext cx="8880652" cy="3791650"/>
+            <a:off x="323529" y="980728"/>
+            <a:ext cx="5472607" cy="4886325"/>
           </a:xfrm>
           <a:prstGeom prst="rect">
             <a:avLst/>
@@ -42495,40 +43280,30 @@
           <a:ln>
             <a:noFill/>
           </a:ln>
-          <a:effectLst/>
           <a:extLst>
             <a:ext uri="{909E8E84-426E-40DD-AFC4-6F175D3DCCD1}">
               <a14:hiddenFill xmlns:a14="http://schemas.microsoft.com/office/drawing/2010/main">
                 <a:solidFill>
-                  <a:schemeClr val="accent1"/>
+                  <a:srgbClr val="FFFFFF"/>
                 </a:solidFill>
               </a14:hiddenFill>
             </a:ext>
             <a:ext uri="{91240B29-F687-4F45-9708-019B960494DF}">
-              <a14:hiddenLine xmlns:a14="http://schemas.microsoft.com/office/drawing/2010/main" w="9525">
+              <a14:hiddenLine xmlns:a14="http://schemas.microsoft.com/office/drawing/2010/main" w="9525" algn="ctr">
                 <a:solidFill>
-                  <a:schemeClr val="tx1"/>
+                  <a:srgbClr val="000000"/>
                 </a:solidFill>
                 <a:miter lim="800000"/>
                 <a:headEnd/>
                 <a:tailEnd/>
               </a14:hiddenLine>
             </a:ext>
-            <a:ext uri="{AF507438-7753-43E0-B8FC-AC1667EBCBE1}">
-              <a14:hiddenEffects xmlns:a14="http://schemas.microsoft.com/office/drawing/2010/main">
-                <a:effectLst>
-                  <a:outerShdw dist="35921" dir="2700000" algn="ctr" rotWithShape="0">
-                    <a:schemeClr val="bg2"/>
-                  </a:outerShdw>
-                </a:effectLst>
-              </a14:hiddenEffects>
-            </a:ext>
           </a:extLst>
         </p:spPr>
       </p:pic>
       <p:pic>
         <p:nvPicPr>
-          <p:cNvPr id="6147" name="Picture 3"/>
+          <p:cNvPr id="5" name="Picture 4"/>
           <p:cNvPicPr>
             <a:picLocks noChangeAspect="1" noChangeArrowheads="1"/>
           </p:cNvPicPr>
@@ -42549,8 +43324,8 @@
         </p:blipFill>
         <p:spPr bwMode="auto">
           <a:xfrm>
-            <a:off x="2267744" y="1881562"/>
-            <a:ext cx="4905375" cy="3286125"/>
+            <a:off x="5835762" y="1484784"/>
+            <a:ext cx="3077344" cy="3124200"/>
           </a:xfrm>
           <a:prstGeom prst="rect">
             <a:avLst/>
@@ -42559,33 +43334,23 @@
           <a:ln>
             <a:noFill/>
           </a:ln>
-          <a:effectLst/>
           <a:extLst>
             <a:ext uri="{909E8E84-426E-40DD-AFC4-6F175D3DCCD1}">
               <a14:hiddenFill xmlns:a14="http://schemas.microsoft.com/office/drawing/2010/main">
                 <a:solidFill>
-                  <a:schemeClr val="accent1"/>
+                  <a:srgbClr val="FFFFFF"/>
                 </a:solidFill>
               </a14:hiddenFill>
             </a:ext>
             <a:ext uri="{91240B29-F687-4F45-9708-019B960494DF}">
-              <a14:hiddenLine xmlns:a14="http://schemas.microsoft.com/office/drawing/2010/main" w="9525">
+              <a14:hiddenLine xmlns:a14="http://schemas.microsoft.com/office/drawing/2010/main" w="9525" algn="ctr">
                 <a:solidFill>
-                  <a:schemeClr val="tx1"/>
+                  <a:srgbClr val="000000"/>
                 </a:solidFill>
                 <a:miter lim="800000"/>
                 <a:headEnd/>
                 <a:tailEnd/>
               </a14:hiddenLine>
-            </a:ext>
-            <a:ext uri="{AF507438-7753-43E0-B8FC-AC1667EBCBE1}">
-              <a14:hiddenEffects xmlns:a14="http://schemas.microsoft.com/office/drawing/2010/main">
-                <a:effectLst>
-                  <a:outerShdw dist="35921" dir="2700000" algn="ctr" rotWithShape="0">
-                    <a:schemeClr val="bg2"/>
-                  </a:outerShdw>
-                </a:effectLst>
-              </a14:hiddenEffects>
             </a:ext>
           </a:extLst>
         </p:spPr>
@@ -42593,7 +43358,7 @@
     </p:spTree>
     <p:extLst>
       <p:ext uri="{BB962C8B-B14F-4D97-AF65-F5344CB8AC3E}">
-        <p14:creationId xmlns:p14="http://schemas.microsoft.com/office/powerpoint/2010/main" val="3349067516"/>
+        <p14:creationId xmlns:p14="http://schemas.microsoft.com/office/powerpoint/2010/main" val="1206207919"/>
       </p:ext>
     </p:extLst>
   </p:cSld>
@@ -42603,83 +43368,7 @@
   <p:timing>
     <p:tnLst>
       <p:par>
-        <p:cTn id="1" dur="indefinite" restart="never" nodeType="tmRoot">
-          <p:childTnLst>
-            <p:seq concurrent="1" nextAc="seek">
-              <p:cTn id="2" dur="indefinite" nodeType="mainSeq">
-                <p:childTnLst>
-                  <p:par>
-                    <p:cTn id="3" fill="hold">
-                      <p:stCondLst>
-                        <p:cond delay="indefinite"/>
-                      </p:stCondLst>
-                      <p:childTnLst>
-                        <p:par>
-                          <p:cTn id="4" fill="hold">
-                            <p:stCondLst>
-                              <p:cond delay="0"/>
-                            </p:stCondLst>
-                            <p:childTnLst>
-                              <p:par>
-                                <p:cTn id="5" presetID="10" presetClass="entr" presetSubtype="0" fill="hold" nodeType="clickEffect">
-                                  <p:stCondLst>
-                                    <p:cond delay="0"/>
-                                  </p:stCondLst>
-                                  <p:childTnLst>
-                                    <p:set>
-                                      <p:cBhvr>
-                                        <p:cTn id="6" dur="1" fill="hold">
-                                          <p:stCondLst>
-                                            <p:cond delay="0"/>
-                                          </p:stCondLst>
-                                        </p:cTn>
-                                        <p:tgtEl>
-                                          <p:spTgt spid="6147"/>
-                                        </p:tgtEl>
-                                        <p:attrNameLst>
-                                          <p:attrName>style.visibility</p:attrName>
-                                        </p:attrNameLst>
-                                      </p:cBhvr>
-                                      <p:to>
-                                        <p:strVal val="visible"/>
-                                      </p:to>
-                                    </p:set>
-                                    <p:animEffect transition="in" filter="fade">
-                                      <p:cBhvr>
-                                        <p:cTn id="7" dur="500"/>
-                                        <p:tgtEl>
-                                          <p:spTgt spid="6147"/>
-                                        </p:tgtEl>
-                                      </p:cBhvr>
-                                    </p:animEffect>
-                                  </p:childTnLst>
-                                </p:cTn>
-                              </p:par>
-                            </p:childTnLst>
-                          </p:cTn>
-                        </p:par>
-                      </p:childTnLst>
-                    </p:cTn>
-                  </p:par>
-                </p:childTnLst>
-              </p:cTn>
-              <p:prevCondLst>
-                <p:cond evt="onPrev" delay="0">
-                  <p:tgtEl>
-                    <p:sldTgt/>
-                  </p:tgtEl>
-                </p:cond>
-              </p:prevCondLst>
-              <p:nextCondLst>
-                <p:cond evt="onNext" delay="0">
-                  <p:tgtEl>
-                    <p:sldTgt/>
-                  </p:tgtEl>
-                </p:cond>
-              </p:nextCondLst>
-            </p:seq>
-          </p:childTnLst>
-        </p:cTn>
+        <p:cTn id="1" dur="indefinite" restart="never" nodeType="tmRoot"/>
       </p:par>
     </p:tnLst>
   </p:timing>
